--- a/4. UI/Day 32/Slides/4. Introduction to Components/introduction-to-components-slides.pptx
+++ b/4. UI/Day 32/Slides/4. Introduction to Components/introduction-to-components-slides.pptx
@@ -20338,6 +20338,24 @@
       </p:sp>
       <p:sp>
         <p:nvSpPr>
+          <p:cNvPr id="24" name="Content Placeholder 23"/>
+          <p:cNvSpPr>
+            <a:spLocks noGrp="1"/>
+          </p:cNvSpPr>
+          <p:nvPr>
+            <p:ph sz="half" idx="3"/>
+          </p:nvPr>
+        </p:nvSpPr>
+        <p:spPr/>
+        <p:txBody>
+          <a:bodyPr/>
+          <a:p>
+            <a:endParaRPr lang="en-US"/>
+          </a:p>
+        </p:txBody>
+      </p:sp>
+      <p:sp>
+        <p:nvSpPr>
           <p:cNvPr id="4" name="object 4"/>
           <p:cNvSpPr/>
           <p:nvPr/>
@@ -20387,10 +20405,6 @@
           </p:nvPr>
         </p:nvSpPr>
         <p:spPr>
-          <a:xfrm>
-            <a:off x="4828952" y="754380"/>
-            <a:ext cx="8629650" cy="878840"/>
-          </a:xfrm>
           <a:prstGeom prst="rect">
             <a:avLst/>
           </a:prstGeom>
@@ -21011,93 +21025,6 @@
           </p:txBody>
         </p:sp>
       </p:grpSp>
-      <p:grpSp>
-        <p:nvGrpSpPr>
-          <p:cNvPr id="18" name="object 18"/>
-          <p:cNvGrpSpPr/>
-          <p:nvPr/>
-        </p:nvGrpSpPr>
-        <p:grpSpPr>
-          <a:xfrm>
-            <a:off x="3848101" y="7294200"/>
-            <a:ext cx="10800080" cy="2095500"/>
-            <a:chOff x="3848101" y="7294200"/>
-            <a:chExt cx="10800080" cy="2095500"/>
-          </a:xfrm>
-        </p:grpSpPr>
-        <p:pic>
-          <p:nvPicPr>
-            <p:cNvPr id="19" name="object 19"/>
-            <p:cNvPicPr/>
-            <p:nvPr/>
-          </p:nvPicPr>
-          <p:blipFill>
-            <a:blip r:embed="rId5" cstate="print"/>
-            <a:stretch>
-              <a:fillRect/>
-            </a:stretch>
-          </p:blipFill>
-          <p:spPr>
-            <a:xfrm>
-              <a:off x="4162388" y="7379915"/>
-              <a:ext cx="10476189" cy="1761904"/>
-            </a:xfrm>
-            <a:prstGeom prst="rect">
-              <a:avLst/>
-            </a:prstGeom>
-          </p:spPr>
-        </p:pic>
-        <p:sp>
-          <p:nvSpPr>
-            <p:cNvPr id="20" name="object 20"/>
-            <p:cNvSpPr/>
-            <p:nvPr/>
-          </p:nvSpPr>
-          <p:spPr>
-            <a:xfrm>
-              <a:off x="3852864" y="7298963"/>
-              <a:ext cx="10790555" cy="2085975"/>
-            </a:xfrm>
-            <a:custGeom>
-              <a:avLst/>
-              <a:gdLst/>
-              <a:ahLst/>
-              <a:cxnLst/>
-              <a:rect l="l" t="t" r="r" b="b"/>
-              <a:pathLst>
-                <a:path w="10790555" h="2085975">
-                  <a:moveTo>
-                    <a:pt x="0" y="0"/>
-                  </a:moveTo>
-                  <a:lnTo>
-                    <a:pt x="10790476" y="0"/>
-                  </a:lnTo>
-                  <a:lnTo>
-                    <a:pt x="10790476" y="2085715"/>
-                  </a:lnTo>
-                  <a:lnTo>
-                    <a:pt x="0" y="2085715"/>
-                  </a:lnTo>
-                  <a:lnTo>
-                    <a:pt x="0" y="0"/>
-                  </a:lnTo>
-                  <a:close/>
-                </a:path>
-              </a:pathLst>
-            </a:custGeom>
-            <a:ln w="9525">
-              <a:solidFill>
-                <a:srgbClr val="7F7F7F"/>
-              </a:solidFill>
-            </a:ln>
-          </p:spPr>
-          <p:txBody>
-            <a:bodyPr wrap="square" lIns="0" tIns="0" rIns="0" bIns="0" rtlCol="0"/>
-            <a:lstStyle/>
-            <a:p/>
-          </p:txBody>
-        </p:sp>
-      </p:grpSp>
       <p:sp>
         <p:nvSpPr>
           <p:cNvPr id="21" name="Slide Number Placeholder 20"/>
@@ -21119,6 +21046,57 @@
           </a:p>
         </p:txBody>
       </p:sp>
+      <p:graphicFrame>
+        <p:nvGraphicFramePr>
+          <p:cNvPr id="22" name="Content Placeholder 21"/>
+          <p:cNvGraphicFramePr/>
+          <p:nvPr>
+            <p:ph sz="half" idx="2"/>
+          </p:nvPr>
+        </p:nvGraphicFramePr>
+        <p:xfrm>
+          <a:off x="3922395" y="7627620"/>
+          <a:ext cx="9544050" cy="1550035"/>
+        </p:xfrm>
+        <a:graphic>
+          <a:graphicData uri="http://schemas.openxmlformats.org/presentationml/2006/ole">
+            <mc:AlternateContent xmlns:mc="http://schemas.openxmlformats.org/markup-compatibility/2006">
+              <mc:Choice xmlns:v="urn:schemas-microsoft-com:vml" Requires="v">
+                <p:oleObj spid="_x0000_s23" name="" r:id="rId5" imgW="10801350" imgH="2105025" progId="Paint.Picture">
+                  <p:embed/>
+                </p:oleObj>
+              </mc:Choice>
+              <mc:Fallback>
+                <p:oleObj name="" r:id="rId5" imgW="10801350" imgH="2105025" progId="Paint.Picture">
+                  <p:embed/>
+                  <p:pic>
+                    <p:nvPicPr>
+                      <p:cNvPr id="0" name="Picture 22"/>
+                      <p:cNvPicPr/>
+                      <p:nvPr/>
+                    </p:nvPicPr>
+                    <p:blipFill>
+                      <a:blip r:embed="rId6"/>
+                      <a:stretch>
+                        <a:fillRect/>
+                      </a:stretch>
+                    </p:blipFill>
+                    <p:spPr>
+                      <a:xfrm>
+                        <a:off x="3922395" y="7627620"/>
+                        <a:ext cx="9544050" cy="1550035"/>
+                      </a:xfrm>
+                      <a:prstGeom prst="rect">
+                        <a:avLst/>
+                      </a:prstGeom>
+                    </p:spPr>
+                  </p:pic>
+                </p:oleObj>
+              </mc:Fallback>
+            </mc:AlternateContent>
+          </a:graphicData>
+        </a:graphic>
+      </p:graphicFrame>
     </p:spTree>
   </p:cSld>
   <p:clrMapOvr>

--- a/4. UI/Day 32/Slides/4. Introduction to Components/introduction-to-components-slides.pptx
+++ b/4. UI/Day 32/Slides/4. Introduction to Components/introduction-to-components-slides.pptx
@@ -5,45 +5,45 @@
     <p:sldMasterId id="2147483648" r:id="rId1"/>
   </p:sldMasterIdLst>
   <p:notesMasterIdLst>
-    <p:notesMasterId r:id="rId39"/>
+    <p:notesMasterId r:id="rId38"/>
   </p:notesMasterIdLst>
   <p:sldIdLst>
-    <p:sldId id="256" r:id="rId3"/>
-    <p:sldId id="257" r:id="rId4"/>
-    <p:sldId id="258" r:id="rId5"/>
-    <p:sldId id="259" r:id="rId6"/>
-    <p:sldId id="260" r:id="rId7"/>
-    <p:sldId id="261" r:id="rId8"/>
-    <p:sldId id="262" r:id="rId9"/>
-    <p:sldId id="263" r:id="rId10"/>
-    <p:sldId id="264" r:id="rId11"/>
-    <p:sldId id="265" r:id="rId12"/>
-    <p:sldId id="266" r:id="rId13"/>
-    <p:sldId id="267" r:id="rId14"/>
-    <p:sldId id="268" r:id="rId15"/>
-    <p:sldId id="269" r:id="rId16"/>
-    <p:sldId id="270" r:id="rId17"/>
-    <p:sldId id="271" r:id="rId18"/>
-    <p:sldId id="272" r:id="rId19"/>
-    <p:sldId id="273" r:id="rId20"/>
-    <p:sldId id="274" r:id="rId21"/>
-    <p:sldId id="275" r:id="rId22"/>
-    <p:sldId id="276" r:id="rId23"/>
-    <p:sldId id="277" r:id="rId24"/>
-    <p:sldId id="278" r:id="rId25"/>
-    <p:sldId id="279" r:id="rId26"/>
-    <p:sldId id="280" r:id="rId27"/>
-    <p:sldId id="281" r:id="rId28"/>
-    <p:sldId id="282" r:id="rId29"/>
-    <p:sldId id="283" r:id="rId30"/>
-    <p:sldId id="284" r:id="rId31"/>
-    <p:sldId id="286" r:id="rId32"/>
-    <p:sldId id="287" r:id="rId33"/>
-    <p:sldId id="288" r:id="rId34"/>
-    <p:sldId id="289" r:id="rId35"/>
-    <p:sldId id="290" r:id="rId36"/>
-    <p:sldId id="291" r:id="rId37"/>
-    <p:sldId id="292" r:id="rId38"/>
+    <p:sldId id="256" r:id="rId2"/>
+    <p:sldId id="257" r:id="rId3"/>
+    <p:sldId id="258" r:id="rId4"/>
+    <p:sldId id="259" r:id="rId5"/>
+    <p:sldId id="260" r:id="rId6"/>
+    <p:sldId id="261" r:id="rId7"/>
+    <p:sldId id="262" r:id="rId8"/>
+    <p:sldId id="263" r:id="rId9"/>
+    <p:sldId id="264" r:id="rId10"/>
+    <p:sldId id="265" r:id="rId11"/>
+    <p:sldId id="266" r:id="rId12"/>
+    <p:sldId id="267" r:id="rId13"/>
+    <p:sldId id="268" r:id="rId14"/>
+    <p:sldId id="269" r:id="rId15"/>
+    <p:sldId id="270" r:id="rId16"/>
+    <p:sldId id="271" r:id="rId17"/>
+    <p:sldId id="272" r:id="rId18"/>
+    <p:sldId id="273" r:id="rId19"/>
+    <p:sldId id="274" r:id="rId20"/>
+    <p:sldId id="275" r:id="rId21"/>
+    <p:sldId id="276" r:id="rId22"/>
+    <p:sldId id="277" r:id="rId23"/>
+    <p:sldId id="278" r:id="rId24"/>
+    <p:sldId id="279" r:id="rId25"/>
+    <p:sldId id="280" r:id="rId26"/>
+    <p:sldId id="281" r:id="rId27"/>
+    <p:sldId id="282" r:id="rId28"/>
+    <p:sldId id="283" r:id="rId29"/>
+    <p:sldId id="284" r:id="rId30"/>
+    <p:sldId id="286" r:id="rId31"/>
+    <p:sldId id="287" r:id="rId32"/>
+    <p:sldId id="288" r:id="rId33"/>
+    <p:sldId id="289" r:id="rId34"/>
+    <p:sldId id="290" r:id="rId35"/>
+    <p:sldId id="291" r:id="rId36"/>
+    <p:sldId id="292" r:id="rId37"/>
   </p:sldIdLst>
   <p:sldSz cx="18288000" cy="10287000"/>
   <p:notesSz cx="18288000" cy="10287000"/>
@@ -139,6 +139,22 @@
       </a:defRPr>
     </a:lvl9pPr>
   </p:defaultTextStyle>
+  <p:extLst>
+    <p:ext uri="{EFAFB233-063F-42B5-8137-9DF3F51BA10A}">
+      <p15:sldGuideLst xmlns:p15="http://schemas.microsoft.com/office/powerpoint/2012/main">
+        <p15:guide id="1" orient="horz" pos="2880">
+          <p15:clr>
+            <a:srgbClr val="A4A3A4"/>
+          </p15:clr>
+        </p15:guide>
+        <p15:guide id="2" pos="2160">
+          <p15:clr>
+            <a:srgbClr val="A4A3A4"/>
+          </p15:clr>
+        </p15:guide>
+      </p15:sldGuideLst>
+    </p:ext>
+  </p:extLst>
 </p:presentation>
 </file>
 
@@ -224,6 +240,7 @@
           <a:p>
             <a:fld id="{3EFD42F7-718C-4B98-AAEC-167E6DDD60A7}" type="datetimeFigureOut">
               <a:rPr lang="en-US" smtClean="0"/>
+              <a:t>5/4/2023</a:t>
             </a:fld>
             <a:endParaRPr lang="en-US"/>
           </a:p>
@@ -287,42 +304,37 @@
           <a:p>
             <a:pPr lvl="0"/>
             <a:r>
-              <a:rPr lang="en-US" smtClean="0"/>
+              <a:rPr lang="en-US"/>
               <a:t>Click to edit Master text styles</a:t>
             </a:r>
-            <a:endParaRPr lang="en-US" smtClean="0"/>
           </a:p>
           <a:p>
             <a:pPr lvl="1"/>
             <a:r>
-              <a:rPr lang="en-US" smtClean="0"/>
+              <a:rPr lang="en-US"/>
               <a:t>Second level</a:t>
             </a:r>
-            <a:endParaRPr lang="en-US" smtClean="0"/>
           </a:p>
           <a:p>
             <a:pPr lvl="2"/>
             <a:r>
-              <a:rPr lang="en-US" smtClean="0"/>
+              <a:rPr lang="en-US"/>
               <a:t>Third level</a:t>
             </a:r>
-            <a:endParaRPr lang="en-US" smtClean="0"/>
           </a:p>
           <a:p>
             <a:pPr lvl="3"/>
             <a:r>
-              <a:rPr lang="en-US" smtClean="0"/>
+              <a:rPr lang="en-US"/>
               <a:t>Fourth level</a:t>
             </a:r>
-            <a:endParaRPr lang="en-US" smtClean="0"/>
           </a:p>
           <a:p>
             <a:pPr lvl="4"/>
             <a:r>
-              <a:rPr lang="en-US" smtClean="0"/>
+              <a:rPr lang="en-US"/>
               <a:t>Fifth level</a:t>
             </a:r>
-            <a:endParaRPr lang="en-US"/>
           </a:p>
         </p:txBody>
       </p:sp>
@@ -386,6 +398,7 @@
           <a:p>
             <a:fld id="{21B2AA4F-B828-4D7C-AFD3-893933DAFCB4}" type="slidenum">
               <a:rPr lang="en-US" smtClean="0"/>
+              <a:t>‹#›</a:t>
             </a:fld>
             <a:endParaRPr lang="en-US"/>
           </a:p>
@@ -490,7 +503,7 @@
 </file>
 
 <file path=ppt/slideLayouts/slideLayout1.xml><?xml version="1.0" encoding="utf-8"?>
-<p:sldLayout xmlns:a="http://schemas.openxmlformats.org/drawingml/2006/main" xmlns:r="http://schemas.openxmlformats.org/officeDocument/2006/relationships" xmlns:p="http://schemas.openxmlformats.org/presentationml/2006/main" type="obj" preserve="1" showMasterSp="0">
+<p:sldLayout xmlns:a="http://schemas.openxmlformats.org/drawingml/2006/main" xmlns:r="http://schemas.openxmlformats.org/officeDocument/2006/relationships" xmlns:p="http://schemas.openxmlformats.org/presentationml/2006/main" showMasterSp="0" type="obj" preserve="1">
   <p:cSld name="Title Slide">
     <p:bg>
       <p:bgPr>
@@ -570,7 +583,9 @@
               </a:defRPr>
             </a:lvl1pPr>
           </a:lstStyle>
-          <a:p/>
+          <a:p>
+            <a:endParaRPr/>
+          </a:p>
         </p:txBody>
       </p:sp>
       <p:sp>
@@ -601,7 +616,9 @@
               <a:defRPr/>
             </a:lvl1pPr>
           </a:lstStyle>
-          <a:p/>
+          <a:p>
+            <a:endParaRPr/>
+          </a:p>
         </p:txBody>
       </p:sp>
       <p:sp>
@@ -628,7 +645,9 @@
               </a:defRPr>
             </a:lvl1pPr>
           </a:lstStyle>
-          <a:p/>
+          <a:p>
+            <a:endParaRPr/>
+          </a:p>
         </p:txBody>
       </p:sp>
       <p:sp>
@@ -658,6 +677,7 @@
           <a:p>
             <a:fld id="{1D8BD707-D9CF-40AE-B4C6-C98DA3205C09}" type="datetimeFigureOut">
               <a:rPr lang="en-US"/>
+              <a:t>5/4/2023</a:t>
             </a:fld>
             <a:endParaRPr lang="en-US"/>
           </a:p>
@@ -690,6 +710,7 @@
           <a:p>
             <a:fld id="{B6F15528-21DE-4FAA-801E-634DDDAF4B2B}" type="slidenum">
               <a:rPr/>
+              <a:t>‹#›</a:t>
             </a:fld>
             <a:endParaRPr/>
           </a:p>
@@ -745,7 +766,9 @@
               </a:defRPr>
             </a:lvl1pPr>
           </a:lstStyle>
-          <a:p/>
+          <a:p>
+            <a:endParaRPr/>
+          </a:p>
         </p:txBody>
       </p:sp>
       <p:sp>
@@ -772,7 +795,9 @@
               </a:defRPr>
             </a:lvl1pPr>
           </a:lstStyle>
-          <a:p/>
+          <a:p>
+            <a:endParaRPr/>
+          </a:p>
         </p:txBody>
       </p:sp>
       <p:sp>
@@ -799,7 +824,9 @@
               </a:defRPr>
             </a:lvl1pPr>
           </a:lstStyle>
-          <a:p/>
+          <a:p>
+            <a:endParaRPr/>
+          </a:p>
         </p:txBody>
       </p:sp>
       <p:sp>
@@ -829,6 +856,7 @@
           <a:p>
             <a:fld id="{1D8BD707-D9CF-40AE-B4C6-C98DA3205C09}" type="datetimeFigureOut">
               <a:rPr lang="en-US"/>
+              <a:t>5/4/2023</a:t>
             </a:fld>
             <a:endParaRPr lang="en-US"/>
           </a:p>
@@ -861,6 +889,7 @@
           <a:p>
             <a:fld id="{B6F15528-21DE-4FAA-801E-634DDDAF4B2B}" type="slidenum">
               <a:rPr/>
+              <a:t>‹#›</a:t>
             </a:fld>
             <a:endParaRPr/>
           </a:p>
@@ -916,7 +945,9 @@
               </a:defRPr>
             </a:lvl1pPr>
           </a:lstStyle>
-          <a:p/>
+          <a:p>
+            <a:endParaRPr/>
+          </a:p>
         </p:txBody>
       </p:sp>
       <p:sp>
@@ -947,7 +978,9 @@
               <a:defRPr/>
             </a:lvl1pPr>
           </a:lstStyle>
-          <a:p/>
+          <a:p>
+            <a:endParaRPr/>
+          </a:p>
         </p:txBody>
       </p:sp>
       <p:sp>
@@ -978,7 +1011,9 @@
               <a:defRPr/>
             </a:lvl1pPr>
           </a:lstStyle>
-          <a:p/>
+          <a:p>
+            <a:endParaRPr/>
+          </a:p>
         </p:txBody>
       </p:sp>
       <p:sp>
@@ -1005,7 +1040,9 @@
               </a:defRPr>
             </a:lvl1pPr>
           </a:lstStyle>
-          <a:p/>
+          <a:p>
+            <a:endParaRPr/>
+          </a:p>
         </p:txBody>
       </p:sp>
       <p:sp>
@@ -1035,6 +1072,7 @@
           <a:p>
             <a:fld id="{1D8BD707-D9CF-40AE-B4C6-C98DA3205C09}" type="datetimeFigureOut">
               <a:rPr lang="en-US"/>
+              <a:t>5/4/2023</a:t>
             </a:fld>
             <a:endParaRPr lang="en-US"/>
           </a:p>
@@ -1067,6 +1105,7 @@
           <a:p>
             <a:fld id="{B6F15528-21DE-4FAA-801E-634DDDAF4B2B}" type="slidenum">
               <a:rPr/>
+              <a:t>‹#›</a:t>
             </a:fld>
             <a:endParaRPr/>
           </a:p>
@@ -1122,7 +1161,9 @@
               </a:defRPr>
             </a:lvl1pPr>
           </a:lstStyle>
-          <a:p/>
+          <a:p>
+            <a:endParaRPr/>
+          </a:p>
         </p:txBody>
       </p:sp>
       <p:sp>
@@ -1149,7 +1190,9 @@
               </a:defRPr>
             </a:lvl1pPr>
           </a:lstStyle>
-          <a:p/>
+          <a:p>
+            <a:endParaRPr/>
+          </a:p>
         </p:txBody>
       </p:sp>
       <p:sp>
@@ -1179,6 +1222,7 @@
           <a:p>
             <a:fld id="{1D8BD707-D9CF-40AE-B4C6-C98DA3205C09}" type="datetimeFigureOut">
               <a:rPr lang="en-US"/>
+              <a:t>5/4/2023</a:t>
             </a:fld>
             <a:endParaRPr lang="en-US"/>
           </a:p>
@@ -1211,6 +1255,7 @@
           <a:p>
             <a:fld id="{B6F15528-21DE-4FAA-801E-634DDDAF4B2B}" type="slidenum">
               <a:rPr/>
+              <a:t>‹#›</a:t>
             </a:fld>
             <a:endParaRPr/>
           </a:p>
@@ -1266,7 +1311,9 @@
               </a:defRPr>
             </a:lvl1pPr>
           </a:lstStyle>
-          <a:p/>
+          <a:p>
+            <a:endParaRPr/>
+          </a:p>
         </p:txBody>
       </p:sp>
       <p:sp>
@@ -1296,6 +1343,7 @@
           <a:p>
             <a:fld id="{1D8BD707-D9CF-40AE-B4C6-C98DA3205C09}" type="datetimeFigureOut">
               <a:rPr lang="en-US"/>
+              <a:t>5/4/2023</a:t>
             </a:fld>
             <a:endParaRPr lang="en-US"/>
           </a:p>
@@ -1328,6 +1376,7 @@
           <a:p>
             <a:fld id="{B6F15528-21DE-4FAA-801E-634DDDAF4B2B}" type="slidenum">
               <a:rPr/>
+              <a:t>‹#›</a:t>
             </a:fld>
             <a:endParaRPr/>
           </a:p>
@@ -1401,7 +1450,9 @@
               </a:defRPr>
             </a:lvl1pPr>
           </a:lstStyle>
-          <a:p/>
+          <a:p>
+            <a:endParaRPr/>
+          </a:p>
         </p:txBody>
       </p:sp>
       <p:sp>
@@ -1438,7 +1489,9 @@
               </a:defRPr>
             </a:lvl1pPr>
           </a:lstStyle>
-          <a:p/>
+          <a:p>
+            <a:endParaRPr/>
+          </a:p>
         </p:txBody>
       </p:sp>
       <p:sp>
@@ -1475,7 +1528,9 @@
               </a:defRPr>
             </a:lvl1pPr>
           </a:lstStyle>
-          <a:p/>
+          <a:p>
+            <a:endParaRPr/>
+          </a:p>
         </p:txBody>
       </p:sp>
       <p:sp>
@@ -1515,6 +1570,7 @@
           <a:p>
             <a:fld id="{1D8BD707-D9CF-40AE-B4C6-C98DA3205C09}" type="datetimeFigureOut">
               <a:rPr lang="en-US"/>
+              <a:t>5/4/2023</a:t>
             </a:fld>
             <a:endParaRPr lang="en-US"/>
           </a:p>
@@ -1557,6 +1613,7 @@
           <a:p>
             <a:fld id="{B6F15528-21DE-4FAA-801E-634DDDAF4B2B}" type="slidenum">
               <a:rPr/>
+              <a:t>‹#›</a:t>
             </a:fld>
             <a:endParaRPr/>
           </a:p>
@@ -1741,7 +1798,7 @@
           <p:nvPr/>
         </p:nvPicPr>
         <p:blipFill>
-          <a:blip r:embed="rId1" cstate="print"/>
+          <a:blip r:embed="rId2" cstate="print"/>
           <a:stretch>
             <a:fillRect/>
           </a:stretch>
@@ -1826,9 +1883,11 @@
         <p:spPr/>
         <p:txBody>
           <a:bodyPr/>
+          <a:lstStyle/>
           <a:p>
             <a:fld id="{B6F15528-21DE-4FAA-801E-634DDDAF4B2B}" type="slidenum">
               <a:rPr/>
+              <a:t>1</a:t>
             </a:fld>
             <a:endParaRPr/>
           </a:p>
@@ -2460,9 +2519,11 @@
         <p:spPr/>
         <p:txBody>
           <a:bodyPr/>
+          <a:lstStyle/>
           <a:p>
             <a:fld id="{B6F15528-21DE-4FAA-801E-634DDDAF4B2B}" type="slidenum">
               <a:rPr/>
+              <a:t>10</a:t>
             </a:fld>
             <a:endParaRPr/>
           </a:p>
@@ -2546,7 +2607,6 @@
               <a:rPr spc="75" dirty="0"/>
               <a:t>Metadata</a:t>
             </a:r>
-            <a:endParaRPr spc="75" dirty="0"/>
           </a:p>
         </p:txBody>
       </p:sp>
@@ -3223,7 +3283,9 @@
           <p:txBody>
             <a:bodyPr wrap="square" lIns="0" tIns="0" rIns="0" bIns="0" rtlCol="0"/>
             <a:lstStyle/>
-            <a:p/>
+            <a:p>
+              <a:endParaRPr/>
+            </a:p>
           </p:txBody>
         </p:sp>
         <p:sp>
@@ -3273,7 +3335,9 @@
           <p:txBody>
             <a:bodyPr wrap="square" lIns="0" tIns="0" rIns="0" bIns="0" rtlCol="0"/>
             <a:lstStyle/>
-            <a:p/>
+            <a:p>
+              <a:endParaRPr/>
+            </a:p>
           </p:txBody>
         </p:sp>
         <p:sp>
@@ -3324,7 +3388,9 @@
           <p:txBody>
             <a:bodyPr wrap="square" lIns="0" tIns="0" rIns="0" bIns="0" rtlCol="0"/>
             <a:lstStyle/>
-            <a:p/>
+            <a:p>
+              <a:endParaRPr/>
+            </a:p>
           </p:txBody>
         </p:sp>
         <p:sp>
@@ -3375,7 +3441,9 @@
           <p:txBody>
             <a:bodyPr wrap="square" lIns="0" tIns="0" rIns="0" bIns="0" rtlCol="0"/>
             <a:lstStyle/>
-            <a:p/>
+            <a:p>
+              <a:endParaRPr/>
+            </a:p>
           </p:txBody>
         </p:sp>
         <p:sp>
@@ -3426,7 +3494,9 @@
           <p:txBody>
             <a:bodyPr wrap="square" lIns="0" tIns="0" rIns="0" bIns="0" rtlCol="0"/>
             <a:lstStyle/>
-            <a:p/>
+            <a:p>
+              <a:endParaRPr/>
+            </a:p>
           </p:txBody>
         </p:sp>
         <p:sp>
@@ -3476,7 +3546,9 @@
           <p:txBody>
             <a:bodyPr wrap="square" lIns="0" tIns="0" rIns="0" bIns="0" rtlCol="0"/>
             <a:lstStyle/>
-            <a:p/>
+            <a:p>
+              <a:endParaRPr/>
+            </a:p>
           </p:txBody>
         </p:sp>
         <p:sp>
@@ -3584,7 +3656,9 @@
           <p:txBody>
             <a:bodyPr wrap="square" lIns="0" tIns="0" rIns="0" bIns="0" rtlCol="0"/>
             <a:lstStyle/>
-            <a:p/>
+            <a:p>
+              <a:endParaRPr/>
+            </a:p>
           </p:txBody>
         </p:sp>
         <p:sp>
@@ -3635,7 +3709,9 @@
           <p:txBody>
             <a:bodyPr wrap="square" lIns="0" tIns="0" rIns="0" bIns="0" rtlCol="0"/>
             <a:lstStyle/>
-            <a:p/>
+            <a:p>
+              <a:endParaRPr/>
+            </a:p>
           </p:txBody>
         </p:sp>
       </p:grpSp>
@@ -4077,9 +4153,11 @@
         <p:spPr/>
         <p:txBody>
           <a:bodyPr/>
+          <a:lstStyle/>
           <a:p>
             <a:fld id="{B6F15528-21DE-4FAA-801E-634DDDAF4B2B}" type="slidenum">
               <a:rPr/>
+              <a:t>11</a:t>
             </a:fld>
             <a:endParaRPr/>
           </a:p>
@@ -4147,7 +4225,9 @@
         <p:txBody>
           <a:bodyPr wrap="square" lIns="0" tIns="0" rIns="0" bIns="0" rtlCol="0"/>
           <a:lstStyle/>
-          <a:p/>
+          <a:p>
+            <a:endParaRPr/>
+          </a:p>
         </p:txBody>
       </p:sp>
       <p:sp>
@@ -4207,7 +4287,6 @@
               <a:rPr spc="40" dirty="0"/>
               <a:t>Need</a:t>
             </a:r>
-            <a:endParaRPr spc="40" dirty="0"/>
           </a:p>
         </p:txBody>
       </p:sp>
@@ -4218,7 +4297,7 @@
           <p:nvPr/>
         </p:nvPicPr>
         <p:blipFill>
-          <a:blip r:embed="rId1" cstate="print"/>
+          <a:blip r:embed="rId2" cstate="print"/>
           <a:stretch>
             <a:fillRect/>
           </a:stretch>
@@ -5047,9 +5126,11 @@
         <p:spPr/>
         <p:txBody>
           <a:bodyPr/>
+          <a:lstStyle/>
           <a:p>
             <a:fld id="{B6F15528-21DE-4FAA-801E-634DDDAF4B2B}" type="slidenum">
               <a:rPr/>
+              <a:t>12</a:t>
             </a:fld>
             <a:endParaRPr/>
           </a:p>
@@ -5137,7 +5218,6 @@
               <a:rPr spc="40" dirty="0"/>
               <a:t>Need</a:t>
             </a:r>
-            <a:endParaRPr spc="40" dirty="0"/>
           </a:p>
         </p:txBody>
       </p:sp>
@@ -5684,9 +5764,11 @@
         <p:spPr/>
         <p:txBody>
           <a:bodyPr/>
+          <a:lstStyle/>
           <a:p>
             <a:fld id="{B6F15528-21DE-4FAA-801E-634DDDAF4B2B}" type="slidenum">
               <a:rPr/>
+              <a:t>13</a:t>
             </a:fld>
             <a:endParaRPr/>
           </a:p>
@@ -5774,7 +5856,6 @@
               <a:rPr spc="40" dirty="0"/>
               <a:t>Need</a:t>
             </a:r>
-            <a:endParaRPr spc="40" dirty="0"/>
           </a:p>
         </p:txBody>
       </p:sp>
@@ -6459,7 +6540,9 @@
           <p:txBody>
             <a:bodyPr wrap="square" lIns="0" tIns="0" rIns="0" bIns="0" rtlCol="0"/>
             <a:lstStyle/>
-            <a:p/>
+            <a:p>
+              <a:endParaRPr/>
+            </a:p>
           </p:txBody>
         </p:sp>
         <p:sp>
@@ -6510,7 +6593,9 @@
           <p:txBody>
             <a:bodyPr wrap="square" lIns="0" tIns="0" rIns="0" bIns="0" rtlCol="0"/>
             <a:lstStyle/>
-            <a:p/>
+            <a:p>
+              <a:endParaRPr/>
+            </a:p>
           </p:txBody>
         </p:sp>
         <p:sp>
@@ -6561,7 +6646,9 @@
           <p:txBody>
             <a:bodyPr wrap="square" lIns="0" tIns="0" rIns="0" bIns="0" rtlCol="0"/>
             <a:lstStyle/>
-            <a:p/>
+            <a:p>
+              <a:endParaRPr/>
+            </a:p>
           </p:txBody>
         </p:sp>
       </p:grpSp>
@@ -6869,9 +6956,11 @@
         <p:spPr/>
         <p:txBody>
           <a:bodyPr/>
+          <a:lstStyle/>
           <a:p>
             <a:fld id="{B6F15528-21DE-4FAA-801E-634DDDAF4B2B}" type="slidenum">
               <a:rPr/>
+              <a:t>14</a:t>
             </a:fld>
             <a:endParaRPr/>
           </a:p>
@@ -6947,7 +7036,6 @@
               <a:rPr spc="110" dirty="0"/>
               <a:t>Component</a:t>
             </a:r>
-            <a:endParaRPr spc="110" dirty="0"/>
           </a:p>
         </p:txBody>
       </p:sp>
@@ -6998,7 +7086,9 @@
         <p:txBody>
           <a:bodyPr wrap="square" lIns="0" tIns="0" rIns="0" bIns="0" rtlCol="0"/>
           <a:lstStyle/>
-          <a:p/>
+          <a:p>
+            <a:endParaRPr/>
+          </a:p>
         </p:txBody>
       </p:sp>
       <p:sp>
@@ -7651,9 +7741,11 @@
         <p:spPr/>
         <p:txBody>
           <a:bodyPr/>
+          <a:lstStyle/>
           <a:p>
             <a:fld id="{B6F15528-21DE-4FAA-801E-634DDDAF4B2B}" type="slidenum">
               <a:rPr/>
+              <a:t>15</a:t>
             </a:fld>
             <a:endParaRPr/>
           </a:p>
@@ -7869,9 +7961,11 @@
         <p:spPr/>
         <p:txBody>
           <a:bodyPr/>
+          <a:lstStyle/>
           <a:p>
             <a:fld id="{B6F15528-21DE-4FAA-801E-634DDDAF4B2B}" type="slidenum">
               <a:rPr/>
+              <a:t>16</a:t>
             </a:fld>
             <a:endParaRPr/>
           </a:p>
@@ -7939,7 +8033,9 @@
         <p:txBody>
           <a:bodyPr wrap="square" lIns="0" tIns="0" rIns="0" bIns="0" rtlCol="0"/>
           <a:lstStyle/>
-          <a:p/>
+          <a:p>
+            <a:endParaRPr/>
+          </a:p>
         </p:txBody>
       </p:sp>
       <p:sp>
@@ -8225,7 +8321,7 @@
           <p:nvPr/>
         </p:nvPicPr>
         <p:blipFill>
-          <a:blip r:embed="rId1" cstate="print"/>
+          <a:blip r:embed="rId2" cstate="print"/>
           <a:stretch>
             <a:fillRect/>
           </a:stretch>
@@ -8253,9 +8349,11 @@
         <p:spPr/>
         <p:txBody>
           <a:bodyPr/>
+          <a:lstStyle/>
           <a:p>
             <a:fld id="{B6F15528-21DE-4FAA-801E-634DDDAF4B2B}" type="slidenum">
               <a:rPr/>
+              <a:t>17</a:t>
             </a:fld>
             <a:endParaRPr/>
           </a:p>
@@ -8441,7 +8539,9 @@
           <p:txBody>
             <a:bodyPr wrap="square" lIns="0" tIns="0" rIns="0" bIns="0" rtlCol="0"/>
             <a:lstStyle/>
-            <a:p/>
+            <a:p>
+              <a:endParaRPr/>
+            </a:p>
           </p:txBody>
         </p:sp>
         <p:sp>
@@ -8587,7 +8687,9 @@
           <p:txBody>
             <a:bodyPr wrap="square" lIns="0" tIns="0" rIns="0" bIns="0" rtlCol="0"/>
             <a:lstStyle/>
-            <a:p/>
+            <a:p>
+              <a:endParaRPr/>
+            </a:p>
           </p:txBody>
         </p:sp>
         <p:sp>
@@ -8731,7 +8833,9 @@
           <p:txBody>
             <a:bodyPr wrap="square" lIns="0" tIns="0" rIns="0" bIns="0" rtlCol="0"/>
             <a:lstStyle/>
-            <a:p/>
+            <a:p>
+              <a:endParaRPr/>
+            </a:p>
           </p:txBody>
         </p:sp>
         <p:sp>
@@ -8877,7 +8981,9 @@
           <p:txBody>
             <a:bodyPr wrap="square" lIns="0" tIns="0" rIns="0" bIns="0" rtlCol="0"/>
             <a:lstStyle/>
-            <a:p/>
+            <a:p>
+              <a:endParaRPr/>
+            </a:p>
           </p:txBody>
         </p:sp>
         <p:sp>
@@ -10140,7 +10246,9 @@
           <p:txBody>
             <a:bodyPr wrap="square" lIns="0" tIns="0" rIns="0" bIns="0" rtlCol="0"/>
             <a:lstStyle/>
-            <a:p/>
+            <a:p>
+              <a:endParaRPr/>
+            </a:p>
           </p:txBody>
         </p:sp>
       </p:grpSp>
@@ -10438,17 +10546,7 @@
                 <a:latin typeface="Arial" panose="020B0604020202020204"/>
                 <a:cs typeface="Arial" panose="020B0604020202020204"/>
               </a:rPr>
-              <a:t>w</a:t>
-            </a:r>
-            <a:r>
-              <a:rPr sz="4100" b="1" spc="-210" dirty="0">
-                <a:solidFill>
-                  <a:srgbClr val="404040"/>
-                </a:solidFill>
-                <a:latin typeface="Arial" panose="020B0604020202020204"/>
-                <a:cs typeface="Arial" panose="020B0604020202020204"/>
-              </a:rPr>
-              <a:t>.</a:t>
+              <a:t>w.</a:t>
             </a:r>
             <a:r>
               <a:rPr sz="4100" b="1" spc="-135" dirty="0">
@@ -10653,7 +10751,9 @@
           <p:txBody>
             <a:bodyPr wrap="square" lIns="0" tIns="0" rIns="0" bIns="0" rtlCol="0"/>
             <a:lstStyle/>
-            <a:p/>
+            <a:p>
+              <a:endParaRPr/>
+            </a:p>
           </p:txBody>
         </p:sp>
         <p:sp>
@@ -10706,7 +10806,9 @@
           <p:txBody>
             <a:bodyPr wrap="square" lIns="0" tIns="0" rIns="0" bIns="0" rtlCol="0"/>
             <a:lstStyle/>
-            <a:p/>
+            <a:p>
+              <a:endParaRPr/>
+            </a:p>
           </p:txBody>
         </p:sp>
         <p:sp>
@@ -10757,7 +10859,9 @@
           <p:txBody>
             <a:bodyPr wrap="square" lIns="0" tIns="0" rIns="0" bIns="0" rtlCol="0"/>
             <a:lstStyle/>
-            <a:p/>
+            <a:p>
+              <a:endParaRPr/>
+            </a:p>
           </p:txBody>
         </p:sp>
         <p:sp>
@@ -10810,7 +10914,9 @@
           <p:txBody>
             <a:bodyPr wrap="square" lIns="0" tIns="0" rIns="0" bIns="0" rtlCol="0"/>
             <a:lstStyle/>
-            <a:p/>
+            <a:p>
+              <a:endParaRPr/>
+            </a:p>
           </p:txBody>
         </p:sp>
         <p:sp>
@@ -10861,7 +10967,9 @@
           <p:txBody>
             <a:bodyPr wrap="square" lIns="0" tIns="0" rIns="0" bIns="0" rtlCol="0"/>
             <a:lstStyle/>
-            <a:p/>
+            <a:p>
+              <a:endParaRPr/>
+            </a:p>
           </p:txBody>
         </p:sp>
         <p:sp>
@@ -10914,7 +11022,9 @@
           <p:txBody>
             <a:bodyPr wrap="square" lIns="0" tIns="0" rIns="0" bIns="0" rtlCol="0"/>
             <a:lstStyle/>
-            <a:p/>
+            <a:p>
+              <a:endParaRPr/>
+            </a:p>
           </p:txBody>
         </p:sp>
       </p:grpSp>
@@ -10980,7 +11090,9 @@
           <p:txBody>
             <a:bodyPr wrap="square" lIns="0" tIns="0" rIns="0" bIns="0" rtlCol="0"/>
             <a:lstStyle/>
-            <a:p/>
+            <a:p>
+              <a:endParaRPr/>
+            </a:p>
           </p:txBody>
         </p:sp>
         <p:sp>
@@ -11033,7 +11145,9 @@
           <p:txBody>
             <a:bodyPr wrap="square" lIns="0" tIns="0" rIns="0" bIns="0" rtlCol="0"/>
             <a:lstStyle/>
-            <a:p/>
+            <a:p>
+              <a:endParaRPr/>
+            </a:p>
           </p:txBody>
         </p:sp>
         <p:sp>
@@ -11084,7 +11198,9 @@
           <p:txBody>
             <a:bodyPr wrap="square" lIns="0" tIns="0" rIns="0" bIns="0" rtlCol="0"/>
             <a:lstStyle/>
-            <a:p/>
+            <a:p>
+              <a:endParaRPr/>
+            </a:p>
           </p:txBody>
         </p:sp>
         <p:sp>
@@ -11137,7 +11253,9 @@
           <p:txBody>
             <a:bodyPr wrap="square" lIns="0" tIns="0" rIns="0" bIns="0" rtlCol="0"/>
             <a:lstStyle/>
-            <a:p/>
+            <a:p>
+              <a:endParaRPr/>
+            </a:p>
           </p:txBody>
         </p:sp>
         <p:sp>
@@ -11188,7 +11306,9 @@
           <p:txBody>
             <a:bodyPr wrap="square" lIns="0" tIns="0" rIns="0" bIns="0" rtlCol="0"/>
             <a:lstStyle/>
-            <a:p/>
+            <a:p>
+              <a:endParaRPr/>
+            </a:p>
           </p:txBody>
         </p:sp>
         <p:sp>
@@ -11241,7 +11361,9 @@
           <p:txBody>
             <a:bodyPr wrap="square" lIns="0" tIns="0" rIns="0" bIns="0" rtlCol="0"/>
             <a:lstStyle/>
-            <a:p/>
+            <a:p>
+              <a:endParaRPr/>
+            </a:p>
           </p:txBody>
         </p:sp>
       </p:grpSp>
@@ -11338,7 +11460,7 @@
           <p:nvPr/>
         </p:nvPicPr>
         <p:blipFill>
-          <a:blip r:embed="rId1" cstate="print"/>
+          <a:blip r:embed="rId2" cstate="print"/>
           <a:stretch>
             <a:fillRect/>
           </a:stretch>
@@ -11360,7 +11482,7 @@
           <p:nvPr/>
         </p:nvPicPr>
         <p:blipFill>
-          <a:blip r:embed="rId2" cstate="print"/>
+          <a:blip r:embed="rId3" cstate="print"/>
           <a:stretch>
             <a:fillRect/>
           </a:stretch>
@@ -11382,7 +11504,7 @@
           <p:nvPr/>
         </p:nvPicPr>
         <p:blipFill>
-          <a:blip r:embed="rId3" cstate="print"/>
+          <a:blip r:embed="rId4" cstate="print"/>
           <a:stretch>
             <a:fillRect/>
           </a:stretch>
@@ -11516,9 +11638,11 @@
         <p:spPr/>
         <p:txBody>
           <a:bodyPr/>
+          <a:lstStyle/>
           <a:p>
             <a:fld id="{B6F15528-21DE-4FAA-801E-634DDDAF4B2B}" type="slidenum">
               <a:rPr/>
+              <a:t>18</a:t>
             </a:fld>
             <a:endParaRPr/>
           </a:p>
@@ -11586,7 +11710,9 @@
         <p:txBody>
           <a:bodyPr wrap="square" lIns="0" tIns="0" rIns="0" bIns="0" rtlCol="0"/>
           <a:lstStyle/>
-          <a:p/>
+          <a:p>
+            <a:endParaRPr/>
+          </a:p>
         </p:txBody>
       </p:sp>
       <p:sp>
@@ -11948,7 +12074,7 @@
               </a:rPr>
               <a:t>application</a:t>
             </a:r>
-            <a:endParaRPr sz="3600">
+            <a:endParaRPr sz="3600" dirty="0">
               <a:latin typeface="Arial" panose="020B0604020202020204"/>
               <a:cs typeface="Arial" panose="020B0604020202020204"/>
             </a:endParaRPr>
@@ -12152,7 +12278,7 @@
               </a:rPr>
               <a:t>application</a:t>
             </a:r>
-            <a:endParaRPr sz="3600">
+            <a:endParaRPr sz="3600" dirty="0">
               <a:latin typeface="Arial" panose="020B0604020202020204"/>
               <a:cs typeface="Arial" panose="020B0604020202020204"/>
             </a:endParaRPr>
@@ -12386,7 +12512,7 @@
               </a:rPr>
               <a:t>(SPA)</a:t>
             </a:r>
-            <a:endParaRPr sz="3600">
+            <a:endParaRPr sz="3600" dirty="0">
               <a:latin typeface="Arial" panose="020B0604020202020204"/>
               <a:cs typeface="Arial" panose="020B0604020202020204"/>
             </a:endParaRPr>
@@ -12400,7 +12526,7 @@
           <p:nvPr/>
         </p:nvPicPr>
         <p:blipFill>
-          <a:blip r:embed="rId1" cstate="print"/>
+          <a:blip r:embed="rId2" cstate="print"/>
           <a:stretch>
             <a:fillRect/>
           </a:stretch>
@@ -12476,7 +12602,6 @@
               <a:rPr spc="-430" dirty="0"/>
               <a:t>(SPA)</a:t>
             </a:r>
-            <a:endParaRPr spc="-430" dirty="0"/>
           </a:p>
         </p:txBody>
       </p:sp>
@@ -12493,9 +12618,11 @@
         <p:spPr/>
         <p:txBody>
           <a:bodyPr/>
+          <a:lstStyle/>
           <a:p>
             <a:fld id="{B6F15528-21DE-4FAA-801E-634DDDAF4B2B}" type="slidenum">
               <a:rPr/>
+              <a:t>19</a:t>
             </a:fld>
             <a:endParaRPr/>
           </a:p>
@@ -12533,7 +12660,7 @@
           <p:nvPr/>
         </p:nvPicPr>
         <p:blipFill>
-          <a:blip r:embed="rId1" cstate="print"/>
+          <a:blip r:embed="rId2" cstate="print"/>
           <a:stretch>
             <a:fillRect/>
           </a:stretch>
@@ -12561,9 +12688,11 @@
         <p:spPr/>
         <p:txBody>
           <a:bodyPr/>
+          <a:lstStyle/>
           <a:p>
             <a:fld id="{B6F15528-21DE-4FAA-801E-634DDDAF4B2B}" type="slidenum">
               <a:rPr/>
+              <a:t>2</a:t>
             </a:fld>
             <a:endParaRPr/>
           </a:p>
@@ -12647,7 +12776,6 @@
               <a:rPr spc="45" dirty="0"/>
               <a:t>Application</a:t>
             </a:r>
-            <a:endParaRPr spc="45" dirty="0"/>
           </a:p>
         </p:txBody>
       </p:sp>
@@ -12747,7 +12875,9 @@
         <p:txBody>
           <a:bodyPr wrap="square" lIns="0" tIns="0" rIns="0" bIns="0" rtlCol="0"/>
           <a:lstStyle/>
-          <a:p/>
+          <a:p>
+            <a:endParaRPr/>
+          </a:p>
         </p:txBody>
       </p:sp>
       <p:sp>
@@ -12968,7 +13098,9 @@
         <p:txBody>
           <a:bodyPr wrap="square" lIns="0" tIns="0" rIns="0" bIns="0" rtlCol="0"/>
           <a:lstStyle/>
-          <a:p/>
+          <a:p>
+            <a:endParaRPr/>
+          </a:p>
         </p:txBody>
       </p:sp>
       <p:sp>
@@ -13725,7 +13857,9 @@
           <p:txBody>
             <a:bodyPr wrap="square" lIns="0" tIns="0" rIns="0" bIns="0" rtlCol="0"/>
             <a:lstStyle/>
-            <a:p/>
+            <a:p>
+              <a:endParaRPr/>
+            </a:p>
           </p:txBody>
         </p:sp>
         <p:sp>
@@ -13775,7 +13909,9 @@
           <p:txBody>
             <a:bodyPr wrap="square" lIns="0" tIns="0" rIns="0" bIns="0" rtlCol="0"/>
             <a:lstStyle/>
-            <a:p/>
+            <a:p>
+              <a:endParaRPr/>
+            </a:p>
           </p:txBody>
         </p:sp>
         <p:sp>
@@ -13883,7 +14019,9 @@
           <p:txBody>
             <a:bodyPr wrap="square" lIns="0" tIns="0" rIns="0" bIns="0" rtlCol="0"/>
             <a:lstStyle/>
-            <a:p/>
+            <a:p>
+              <a:endParaRPr/>
+            </a:p>
           </p:txBody>
         </p:sp>
       </p:grpSp>
@@ -13949,9 +14087,11 @@
         <p:spPr/>
         <p:txBody>
           <a:bodyPr/>
+          <a:lstStyle/>
           <a:p>
             <a:fld id="{B6F15528-21DE-4FAA-801E-634DDDAF4B2B}" type="slidenum">
               <a:rPr/>
+              <a:t>20</a:t>
             </a:fld>
             <a:endParaRPr/>
           </a:p>
@@ -15278,7 +15418,9 @@
         <p:txBody>
           <a:bodyPr wrap="square" lIns="0" tIns="0" rIns="0" bIns="0" rtlCol="0"/>
           <a:lstStyle/>
-          <a:p/>
+          <a:p>
+            <a:endParaRPr/>
+          </a:p>
         </p:txBody>
       </p:sp>
       <p:sp>
@@ -15863,7 +16005,9 @@
         <p:txBody>
           <a:bodyPr wrap="square" lIns="0" tIns="0" rIns="0" bIns="0" rtlCol="0"/>
           <a:lstStyle/>
-          <a:p/>
+          <a:p>
+            <a:endParaRPr/>
+          </a:p>
         </p:txBody>
       </p:sp>
       <p:sp>
@@ -16535,7 +16679,9 @@
         <p:txBody>
           <a:bodyPr wrap="square" lIns="0" tIns="0" rIns="0" bIns="0" rtlCol="0"/>
           <a:lstStyle/>
-          <a:p/>
+          <a:p>
+            <a:endParaRPr/>
+          </a:p>
         </p:txBody>
       </p:sp>
       <p:sp>
@@ -16878,7 +17024,9 @@
         <p:txBody>
           <a:bodyPr wrap="square" lIns="0" tIns="0" rIns="0" bIns="0" rtlCol="0"/>
           <a:lstStyle/>
-          <a:p/>
+          <a:p>
+            <a:endParaRPr/>
+          </a:p>
         </p:txBody>
       </p:sp>
       <p:sp>
@@ -17113,7 +17261,9 @@
         <p:txBody>
           <a:bodyPr wrap="square" lIns="0" tIns="0" rIns="0" bIns="0" rtlCol="0"/>
           <a:lstStyle/>
-          <a:p/>
+          <a:p>
+            <a:endParaRPr/>
+          </a:p>
         </p:txBody>
       </p:sp>
       <p:sp>
@@ -17168,14 +17318,7 @@
                 <a:latin typeface="Arial" panose="020B0604020202020204"/>
                 <a:cs typeface="Arial" panose="020B0604020202020204"/>
               </a:rPr>
-              <a:t>g</a:t>
-            </a:r>
-            <a:r>
-              <a:rPr sz="3600" b="1" spc="-35" dirty="0">
-                <a:latin typeface="Arial" panose="020B0604020202020204"/>
-                <a:cs typeface="Arial" panose="020B0604020202020204"/>
-              </a:rPr>
-              <a:t>a</a:t>
+              <a:t>ga</a:t>
             </a:r>
             <a:r>
               <a:rPr sz="3600" b="1" spc="-15" dirty="0">
@@ -17326,7 +17469,7 @@
               </a:rPr>
               <a:t>environment</a:t>
             </a:r>
-            <a:endParaRPr sz="3600">
+            <a:endParaRPr sz="3600" dirty="0">
               <a:latin typeface="Arial" panose="020B0604020202020204"/>
               <a:cs typeface="Arial" panose="020B0604020202020204"/>
             </a:endParaRPr>
@@ -17450,17 +17593,7 @@
                 <a:latin typeface="Arial" panose="020B0604020202020204"/>
                 <a:cs typeface="Arial" panose="020B0604020202020204"/>
               </a:rPr>
-              <a:t>a</a:t>
-            </a:r>
-            <a:r>
-              <a:rPr sz="2400" b="1" spc="-25" dirty="0">
-                <a:solidFill>
-                  <a:srgbClr val="2A9FBC"/>
-                </a:solidFill>
-                <a:latin typeface="Arial" panose="020B0604020202020204"/>
-                <a:cs typeface="Arial" panose="020B0604020202020204"/>
-              </a:rPr>
-              <a:t>r</a:t>
+              <a:t>ar</a:t>
             </a:r>
             <a:r>
               <a:rPr sz="2400" b="1" spc="-70" dirty="0">
@@ -17576,7 +17709,9 @@
         <p:txBody>
           <a:bodyPr wrap="square" lIns="0" tIns="0" rIns="0" bIns="0" rtlCol="0"/>
           <a:lstStyle/>
-          <a:p/>
+          <a:p>
+            <a:endParaRPr/>
+          </a:p>
         </p:txBody>
       </p:sp>
       <p:sp>
@@ -17616,7 +17751,9 @@
         <p:txBody>
           <a:bodyPr wrap="square" lIns="0" tIns="0" rIns="0" bIns="0" rtlCol="0"/>
           <a:lstStyle/>
-          <a:p/>
+          <a:p>
+            <a:endParaRPr/>
+          </a:p>
         </p:txBody>
       </p:sp>
       <p:sp>
@@ -17656,7 +17793,9 @@
         <p:txBody>
           <a:bodyPr wrap="square" lIns="0" tIns="0" rIns="0" bIns="0" rtlCol="0"/>
           <a:lstStyle/>
-          <a:p/>
+          <a:p>
+            <a:endParaRPr/>
+          </a:p>
         </p:txBody>
       </p:sp>
       <p:sp>
@@ -17696,7 +17835,9 @@
         <p:txBody>
           <a:bodyPr wrap="square" lIns="0" tIns="0" rIns="0" bIns="0" rtlCol="0"/>
           <a:lstStyle/>
-          <a:p/>
+          <a:p>
+            <a:endParaRPr/>
+          </a:p>
         </p:txBody>
       </p:sp>
       <p:sp>
@@ -17712,9 +17853,11 @@
         <p:spPr/>
         <p:txBody>
           <a:bodyPr/>
+          <a:lstStyle/>
           <a:p>
             <a:fld id="{B6F15528-21DE-4FAA-801E-634DDDAF4B2B}" type="slidenum">
               <a:rPr/>
+              <a:t>21</a:t>
             </a:fld>
             <a:endParaRPr/>
           </a:p>
@@ -17834,11 +17977,6 @@
               </a:rPr>
               <a:t>Module</a:t>
             </a:r>
-            <a:endParaRPr spc="90" dirty="0">
-              <a:solidFill>
-                <a:srgbClr val="C0504D"/>
-              </a:solidFill>
-            </a:endParaRPr>
           </a:p>
         </p:txBody>
       </p:sp>
@@ -17903,7 +18041,9 @@
           <p:txBody>
             <a:bodyPr wrap="square" lIns="0" tIns="0" rIns="0" bIns="0" rtlCol="0"/>
             <a:lstStyle/>
-            <a:p/>
+            <a:p>
+              <a:endParaRPr/>
+            </a:p>
           </p:txBody>
         </p:sp>
         <p:sp>
@@ -17951,7 +18091,9 @@
           <p:txBody>
             <a:bodyPr wrap="square" lIns="0" tIns="0" rIns="0" bIns="0" rtlCol="0"/>
             <a:lstStyle/>
-            <a:p/>
+            <a:p>
+              <a:endParaRPr/>
+            </a:p>
           </p:txBody>
         </p:sp>
         <p:sp>
@@ -18001,7 +18143,9 @@
           <p:txBody>
             <a:bodyPr wrap="square" lIns="0" tIns="0" rIns="0" bIns="0" rtlCol="0"/>
             <a:lstStyle/>
-            <a:p/>
+            <a:p>
+              <a:endParaRPr/>
+            </a:p>
           </p:txBody>
         </p:sp>
       </p:grpSp>
@@ -18669,9 +18813,11 @@
         <p:spPr/>
         <p:txBody>
           <a:bodyPr/>
+          <a:lstStyle/>
           <a:p>
             <a:fld id="{B6F15528-21DE-4FAA-801E-634DDDAF4B2B}" type="slidenum">
               <a:rPr/>
+              <a:t>22</a:t>
             </a:fld>
             <a:endParaRPr/>
           </a:p>
@@ -18887,9 +19033,11 @@
         <p:spPr/>
         <p:txBody>
           <a:bodyPr/>
+          <a:lstStyle/>
           <a:p>
             <a:fld id="{B6F15528-21DE-4FAA-801E-634DDDAF4B2B}" type="slidenum">
               <a:rPr/>
+              <a:t>23</a:t>
             </a:fld>
             <a:endParaRPr/>
           </a:p>
@@ -18965,7 +19113,9 @@
         <p:txBody>
           <a:bodyPr wrap="square" lIns="0" tIns="0" rIns="0" bIns="0" rtlCol="0"/>
           <a:lstStyle/>
-          <a:p/>
+          <a:p>
+            <a:endParaRPr/>
+          </a:p>
         </p:txBody>
       </p:sp>
       <p:sp>
@@ -19167,9 +19317,11 @@
         <p:spPr/>
         <p:txBody>
           <a:bodyPr/>
+          <a:lstStyle/>
           <a:p>
             <a:fld id="{B6F15528-21DE-4FAA-801E-634DDDAF4B2B}" type="slidenum">
               <a:rPr/>
+              <a:t>24</a:t>
             </a:fld>
             <a:endParaRPr/>
           </a:p>
@@ -19245,7 +19397,6 @@
               <a:rPr spc="15" dirty="0"/>
               <a:t>Wrong!</a:t>
             </a:r>
-            <a:endParaRPr spc="15" dirty="0"/>
           </a:p>
         </p:txBody>
       </p:sp>
@@ -19270,7 +19421,7 @@
             <p:nvPr/>
           </p:nvPicPr>
           <p:blipFill>
-            <a:blip r:embed="rId1" cstate="print"/>
+            <a:blip r:embed="rId2" cstate="print"/>
             <a:stretch>
               <a:fillRect/>
             </a:stretch>
@@ -19332,7 +19483,9 @@
           <p:txBody>
             <a:bodyPr wrap="square" lIns="0" tIns="0" rIns="0" bIns="0" rtlCol="0"/>
             <a:lstStyle/>
-            <a:p/>
+            <a:p>
+              <a:endParaRPr/>
+            </a:p>
           </p:txBody>
         </p:sp>
       </p:grpSp>
@@ -19468,7 +19621,7 @@
               </a:rPr>
               <a:t>@NgModule({</a:t>
             </a:r>
-            <a:endParaRPr sz="1800">
+            <a:endParaRPr sz="1800" dirty="0">
               <a:latin typeface="Courier New" panose="02070309020205020404"/>
               <a:cs typeface="Courier New" panose="02070309020205020404"/>
             </a:endParaRPr>
@@ -19549,7 +19702,7 @@
               </a:rPr>
               <a:t>,</a:t>
             </a:r>
-            <a:endParaRPr sz="1800">
+            <a:endParaRPr sz="1800" dirty="0">
               <a:latin typeface="Courier New" panose="02070309020205020404"/>
               <a:cs typeface="Courier New" panose="02070309020205020404"/>
             </a:endParaRPr>
@@ -19573,7 +19726,7 @@
               </a:rPr>
               <a:t>ProductListComponent</a:t>
             </a:r>
-            <a:endParaRPr sz="1800">
+            <a:endParaRPr sz="1800" dirty="0">
               <a:latin typeface="Courier New" panose="02070309020205020404"/>
               <a:cs typeface="Courier New" panose="02070309020205020404"/>
             </a:endParaRPr>
@@ -19604,7 +19757,7 @@
               </a:rPr>
               <a:t>,</a:t>
             </a:r>
-            <a:endParaRPr sz="1800">
+            <a:endParaRPr sz="1800" dirty="0">
               <a:latin typeface="Courier New" panose="02070309020205020404"/>
               <a:cs typeface="Courier New" panose="02070309020205020404"/>
             </a:endParaRPr>
@@ -19653,7 +19806,7 @@
               </a:rPr>
               <a:t>[…]</a:t>
             </a:r>
-            <a:endParaRPr sz="1800">
+            <a:endParaRPr sz="1800" dirty="0">
               <a:latin typeface="Courier New" panose="02070309020205020404"/>
               <a:cs typeface="Courier New" panose="02070309020205020404"/>
             </a:endParaRPr>
@@ -19674,7 +19827,7 @@
               </a:rPr>
               <a:t>})</a:t>
             </a:r>
-            <a:endParaRPr sz="1800">
+            <a:endParaRPr sz="1800" dirty="0">
               <a:latin typeface="Courier New" panose="02070309020205020404"/>
               <a:cs typeface="Courier New" panose="02070309020205020404"/>
             </a:endParaRPr>
@@ -19763,10 +19916,6 @@
               </a:rPr>
               <a:t>}</a:t>
             </a:r>
-            <a:endParaRPr sz="1800">
-              <a:latin typeface="Courier New" panose="02070309020205020404"/>
-              <a:cs typeface="Courier New" panose="02070309020205020404"/>
-            </a:endParaRPr>
           </a:p>
         </p:txBody>
       </p:sp>
@@ -20223,9 +20372,11 @@
         <p:spPr/>
         <p:txBody>
           <a:bodyPr/>
+          <a:lstStyle/>
           <a:p>
             <a:fld id="{B6F15528-21DE-4FAA-801E-634DDDAF4B2B}" type="slidenum">
               <a:rPr/>
+              <a:t>25</a:t>
             </a:fld>
             <a:endParaRPr/>
           </a:p>
@@ -20293,7 +20444,9 @@
         <p:txBody>
           <a:bodyPr wrap="square" lIns="0" tIns="0" rIns="0" bIns="0" rtlCol="0"/>
           <a:lstStyle/>
-          <a:p/>
+          <a:p>
+            <a:endParaRPr/>
+          </a:p>
         </p:txBody>
       </p:sp>
       <p:sp>
@@ -20333,24 +20486,8 @@
         <p:txBody>
           <a:bodyPr wrap="square" lIns="0" tIns="0" rIns="0" bIns="0" rtlCol="0"/>
           <a:lstStyle/>
-          <a:p/>
-        </p:txBody>
-      </p:sp>
-      <p:sp>
-        <p:nvSpPr>
-          <p:cNvPr id="24" name="Content Placeholder 23"/>
-          <p:cNvSpPr>
-            <a:spLocks noGrp="1"/>
-          </p:cNvSpPr>
-          <p:nvPr>
-            <p:ph sz="half" idx="3"/>
-          </p:nvPr>
-        </p:nvSpPr>
-        <p:spPr/>
-        <p:txBody>
-          <a:bodyPr/>
-          <a:p>
-            <a:endParaRPr lang="en-US"/>
+          <a:p>
+            <a:endParaRPr/>
           </a:p>
         </p:txBody>
       </p:sp>
@@ -20391,7 +20528,9 @@
         <p:txBody>
           <a:bodyPr wrap="square" lIns="0" tIns="0" rIns="0" bIns="0" rtlCol="0"/>
           <a:lstStyle/>
-          <a:p/>
+          <a:p>
+            <a:endParaRPr/>
+          </a:p>
         </p:txBody>
       </p:sp>
       <p:sp>
@@ -20405,6 +20544,10 @@
           </p:nvPr>
         </p:nvSpPr>
         <p:spPr>
+          <a:xfrm>
+            <a:off x="5119496" y="754380"/>
+            <a:ext cx="8977504" cy="878839"/>
+          </a:xfrm>
           <a:prstGeom prst="rect">
             <a:avLst/>
           </a:prstGeom>
@@ -20455,7 +20598,6 @@
               <a:rPr spc="50" dirty="0"/>
               <a:t>Editor</a:t>
             </a:r>
-            <a:endParaRPr spc="50" dirty="0"/>
           </a:p>
         </p:txBody>
       </p:sp>
@@ -20672,7 +20814,7 @@
             <p:nvPr/>
           </p:nvPicPr>
           <p:blipFill>
-            <a:blip r:embed="rId1" cstate="print"/>
+            <a:blip r:embed="rId3" cstate="print"/>
             <a:stretch>
               <a:fillRect/>
             </a:stretch>
@@ -20694,7 +20836,7 @@
             <p:nvPr/>
           </p:nvPicPr>
           <p:blipFill>
-            <a:blip r:embed="rId2" cstate="print"/>
+            <a:blip r:embed="rId4" cstate="print"/>
             <a:stretch>
               <a:fillRect/>
             </a:stretch>
@@ -20756,7 +20898,9 @@
           <p:txBody>
             <a:bodyPr wrap="square" lIns="0" tIns="0" rIns="0" bIns="0" rtlCol="0"/>
             <a:lstStyle/>
-            <a:p/>
+            <a:p>
+              <a:endParaRPr/>
+            </a:p>
           </p:txBody>
         </p:sp>
       </p:grpSp>
@@ -20887,7 +21031,7 @@
             <p:nvPr/>
           </p:nvPicPr>
           <p:blipFill>
-            <a:blip r:embed="rId3" cstate="print"/>
+            <a:blip r:embed="rId5" cstate="print"/>
             <a:stretch>
               <a:fillRect/>
             </a:stretch>
@@ -20949,7 +21093,9 @@
           <p:txBody>
             <a:bodyPr wrap="square" lIns="0" tIns="0" rIns="0" bIns="0" rtlCol="0"/>
             <a:lstStyle/>
-            <a:p/>
+            <a:p>
+              <a:endParaRPr/>
+            </a:p>
           </p:txBody>
         </p:sp>
         <p:pic>
@@ -20959,7 +21105,7 @@
             <p:nvPr/>
           </p:nvPicPr>
           <p:blipFill>
-            <a:blip r:embed="rId4" cstate="print"/>
+            <a:blip r:embed="rId6" cstate="print"/>
             <a:stretch>
               <a:fillRect/>
             </a:stretch>
@@ -21021,7 +21167,9 @@
           <p:txBody>
             <a:bodyPr wrap="square" lIns="0" tIns="0" rIns="0" bIns="0" rtlCol="0"/>
             <a:lstStyle/>
-            <a:p/>
+            <a:p>
+              <a:endParaRPr/>
+            </a:p>
           </p:txBody>
         </p:sp>
       </p:grpSp>
@@ -21038,9 +21186,11 @@
         <p:spPr/>
         <p:txBody>
           <a:bodyPr/>
+          <a:lstStyle/>
           <a:p>
             <a:fld id="{B6F15528-21DE-4FAA-801E-634DDDAF4B2B}" type="slidenum">
               <a:rPr/>
+              <a:t>26</a:t>
             </a:fld>
             <a:endParaRPr/>
           </a:p>
@@ -21049,7 +21199,9 @@
       <p:graphicFrame>
         <p:nvGraphicFramePr>
           <p:cNvPr id="22" name="Content Placeholder 21"/>
-          <p:cNvGraphicFramePr/>
+          <p:cNvGraphicFramePr>
+            <a:graphicFrameLocks noGrp="1"/>
+          </p:cNvGraphicFramePr>
           <p:nvPr>
             <p:ph sz="half" idx="2"/>
           </p:nvPr>
@@ -21062,12 +21214,12 @@
           <a:graphicData uri="http://schemas.openxmlformats.org/presentationml/2006/ole">
             <mc:AlternateContent xmlns:mc="http://schemas.openxmlformats.org/markup-compatibility/2006">
               <mc:Choice xmlns:v="urn:schemas-microsoft-com:vml" Requires="v">
-                <p:oleObj spid="_x0000_s23" name="" r:id="rId5" imgW="10801350" imgH="2105025" progId="Paint.Picture">
+                <p:oleObj spid="_x0000_s1026" r:id="rId7" imgW="10801350" imgH="2105025" progId="Paint.Picture">
                   <p:embed/>
                 </p:oleObj>
               </mc:Choice>
               <mc:Fallback>
-                <p:oleObj name="" r:id="rId5" imgW="10801350" imgH="2105025" progId="Paint.Picture">
+                <p:oleObj r:id="rId7" imgW="10801350" imgH="2105025" progId="Paint.Picture">
                   <p:embed/>
                   <p:pic>
                     <p:nvPicPr>
@@ -21076,7 +21228,7 @@
                       <p:nvPr/>
                     </p:nvPicPr>
                     <p:blipFill>
-                      <a:blip r:embed="rId6"/>
+                      <a:blip r:embed="rId8"/>
                       <a:stretch>
                         <a:fillRect/>
                       </a:stretch>
@@ -21159,7 +21311,9 @@
         <p:txBody>
           <a:bodyPr wrap="square" lIns="0" tIns="0" rIns="0" bIns="0" rtlCol="0"/>
           <a:lstStyle/>
-          <a:p/>
+          <a:p>
+            <a:endParaRPr/>
+          </a:p>
         </p:txBody>
       </p:sp>
       <p:sp>
@@ -21309,7 +21463,7 @@
             <p:nvPr/>
           </p:nvPicPr>
           <p:blipFill>
-            <a:blip r:embed="rId1" cstate="print"/>
+            <a:blip r:embed="rId2" cstate="print"/>
             <a:stretch>
               <a:fillRect/>
             </a:stretch>
@@ -21371,7 +21525,9 @@
           <p:txBody>
             <a:bodyPr wrap="square" lIns="0" tIns="0" rIns="0" bIns="0" rtlCol="0"/>
             <a:lstStyle/>
-            <a:p/>
+            <a:p>
+              <a:endParaRPr/>
+            </a:p>
           </p:txBody>
         </p:sp>
       </p:grpSp>
@@ -21388,9 +21544,11 @@
         <p:spPr/>
         <p:txBody>
           <a:bodyPr/>
+          <a:lstStyle/>
           <a:p>
             <a:fld id="{B6F15528-21DE-4FAA-801E-634DDDAF4B2B}" type="slidenum">
               <a:rPr/>
+              <a:t>27</a:t>
             </a:fld>
             <a:endParaRPr/>
           </a:p>
@@ -21458,7 +21616,9 @@
         <p:txBody>
           <a:bodyPr wrap="square" lIns="0" tIns="0" rIns="0" bIns="0" rtlCol="0"/>
           <a:lstStyle/>
-          <a:p/>
+          <a:p>
+            <a:endParaRPr/>
+          </a:p>
         </p:txBody>
       </p:sp>
       <p:sp>
@@ -21874,7 +22034,7 @@
             <p:nvPr/>
           </p:nvPicPr>
           <p:blipFill>
-            <a:blip r:embed="rId1" cstate="print"/>
+            <a:blip r:embed="rId2" cstate="print"/>
             <a:stretch>
               <a:fillRect/>
             </a:stretch>
@@ -21936,7 +22096,9 @@
           <p:txBody>
             <a:bodyPr wrap="square" lIns="0" tIns="0" rIns="0" bIns="0" rtlCol="0"/>
             <a:lstStyle/>
-            <a:p/>
+            <a:p>
+              <a:endParaRPr/>
+            </a:p>
           </p:txBody>
         </p:sp>
       </p:grpSp>
@@ -21953,9 +22115,11 @@
         <p:spPr/>
         <p:txBody>
           <a:bodyPr/>
+          <a:lstStyle/>
           <a:p>
             <a:fld id="{B6F15528-21DE-4FAA-801E-634DDDAF4B2B}" type="slidenum">
               <a:rPr/>
+              <a:t>28</a:t>
             </a:fld>
             <a:endParaRPr/>
           </a:p>
@@ -22023,7 +22187,9 @@
         <p:txBody>
           <a:bodyPr wrap="square" lIns="0" tIns="0" rIns="0" bIns="0" rtlCol="0"/>
           <a:lstStyle/>
-          <a:p/>
+          <a:p>
+            <a:endParaRPr/>
+          </a:p>
         </p:txBody>
       </p:sp>
       <p:sp>
@@ -22079,7 +22245,6 @@
               <a:rPr spc="80" dirty="0"/>
               <a:t>Code</a:t>
             </a:r>
-            <a:endParaRPr spc="80" dirty="0"/>
           </a:p>
         </p:txBody>
       </p:sp>
@@ -22090,7 +22255,7 @@
           <p:nvPr/>
         </p:nvPicPr>
         <p:blipFill>
-          <a:blip r:embed="rId1" cstate="print"/>
+          <a:blip r:embed="rId2" cstate="print"/>
           <a:stretch>
             <a:fillRect/>
           </a:stretch>
@@ -22498,9 +22663,11 @@
         <p:spPr/>
         <p:txBody>
           <a:bodyPr/>
+          <a:lstStyle/>
           <a:p>
             <a:fld id="{B6F15528-21DE-4FAA-801E-634DDDAF4B2B}" type="slidenum">
               <a:rPr/>
+              <a:t>29</a:t>
             </a:fld>
             <a:endParaRPr/>
           </a:p>
@@ -22538,7 +22705,7 @@
           <p:nvPr/>
         </p:nvPicPr>
         <p:blipFill>
-          <a:blip r:embed="rId1" cstate="print"/>
+          <a:blip r:embed="rId2" cstate="print"/>
           <a:stretch>
             <a:fillRect/>
           </a:stretch>
@@ -23147,9 +23314,11 @@
         <p:spPr/>
         <p:txBody>
           <a:bodyPr/>
+          <a:lstStyle/>
           <a:p>
             <a:fld id="{B6F15528-21DE-4FAA-801E-634DDDAF4B2B}" type="slidenum">
               <a:rPr/>
+              <a:t>3</a:t>
             </a:fld>
             <a:endParaRPr/>
           </a:p>
@@ -23239,7 +23408,9 @@
           <p:txBody>
             <a:bodyPr wrap="square" lIns="0" tIns="0" rIns="0" bIns="0" rtlCol="0"/>
             <a:lstStyle/>
-            <a:p/>
+            <a:p>
+              <a:endParaRPr/>
+            </a:p>
           </p:txBody>
         </p:sp>
         <p:sp>
@@ -23287,7 +23458,9 @@
           <p:txBody>
             <a:bodyPr wrap="square" lIns="0" tIns="0" rIns="0" bIns="0" rtlCol="0"/>
             <a:lstStyle/>
-            <a:p/>
+            <a:p>
+              <a:endParaRPr/>
+            </a:p>
           </p:txBody>
         </p:sp>
         <p:sp>
@@ -23337,7 +23510,9 @@
           <p:txBody>
             <a:bodyPr wrap="square" lIns="0" tIns="0" rIns="0" bIns="0" rtlCol="0"/>
             <a:lstStyle/>
-            <a:p/>
+            <a:p>
+              <a:endParaRPr/>
+            </a:p>
           </p:txBody>
         </p:sp>
         <p:pic>
@@ -23347,7 +23522,7 @@
             <p:nvPr/>
           </p:nvPicPr>
           <p:blipFill>
-            <a:blip r:embed="rId1" cstate="print"/>
+            <a:blip r:embed="rId2" cstate="print"/>
             <a:stretch>
               <a:fillRect/>
             </a:stretch>
@@ -23756,9 +23931,11 @@
         <p:spPr/>
         <p:txBody>
           <a:bodyPr/>
+          <a:lstStyle/>
           <a:p>
             <a:fld id="{B6F15528-21DE-4FAA-801E-634DDDAF4B2B}" type="slidenum">
               <a:rPr/>
+              <a:t>30</a:t>
             </a:fld>
             <a:endParaRPr/>
           </a:p>
@@ -23848,7 +24025,9 @@
           <p:txBody>
             <a:bodyPr wrap="square" lIns="0" tIns="0" rIns="0" bIns="0" rtlCol="0"/>
             <a:lstStyle/>
-            <a:p/>
+            <a:p>
+              <a:endParaRPr/>
+            </a:p>
           </p:txBody>
         </p:sp>
         <p:sp>
@@ -23896,7 +24075,9 @@
           <p:txBody>
             <a:bodyPr wrap="square" lIns="0" tIns="0" rIns="0" bIns="0" rtlCol="0"/>
             <a:lstStyle/>
-            <a:p/>
+            <a:p>
+              <a:endParaRPr/>
+            </a:p>
           </p:txBody>
         </p:sp>
         <p:sp>
@@ -23946,7 +24127,9 @@
           <p:txBody>
             <a:bodyPr wrap="square" lIns="0" tIns="0" rIns="0" bIns="0" rtlCol="0"/>
             <a:lstStyle/>
-            <a:p/>
+            <a:p>
+              <a:endParaRPr/>
+            </a:p>
           </p:txBody>
         </p:sp>
         <p:pic>
@@ -23956,7 +24139,7 @@
             <p:nvPr/>
           </p:nvPicPr>
           <p:blipFill>
-            <a:blip r:embed="rId1" cstate="print"/>
+            <a:blip r:embed="rId2" cstate="print"/>
             <a:stretch>
               <a:fillRect/>
             </a:stretch>
@@ -24667,9 +24850,11 @@
         <p:spPr/>
         <p:txBody>
           <a:bodyPr/>
+          <a:lstStyle/>
           <a:p>
             <a:fld id="{B6F15528-21DE-4FAA-801E-634DDDAF4B2B}" type="slidenum">
               <a:rPr/>
+              <a:t>31</a:t>
             </a:fld>
             <a:endParaRPr/>
           </a:p>
@@ -24759,7 +24944,9 @@
           <p:txBody>
             <a:bodyPr wrap="square" lIns="0" tIns="0" rIns="0" bIns="0" rtlCol="0"/>
             <a:lstStyle/>
-            <a:p/>
+            <a:p>
+              <a:endParaRPr/>
+            </a:p>
           </p:txBody>
         </p:sp>
         <p:sp>
@@ -24807,7 +24994,9 @@
           <p:txBody>
             <a:bodyPr wrap="square" lIns="0" tIns="0" rIns="0" bIns="0" rtlCol="0"/>
             <a:lstStyle/>
-            <a:p/>
+            <a:p>
+              <a:endParaRPr/>
+            </a:p>
           </p:txBody>
         </p:sp>
         <p:sp>
@@ -24857,7 +25046,9 @@
           <p:txBody>
             <a:bodyPr wrap="square" lIns="0" tIns="0" rIns="0" bIns="0" rtlCol="0"/>
             <a:lstStyle/>
-            <a:p/>
+            <a:p>
+              <a:endParaRPr/>
+            </a:p>
           </p:txBody>
         </p:sp>
         <p:pic>
@@ -24867,7 +25058,7 @@
             <p:nvPr/>
           </p:nvPicPr>
           <p:blipFill>
-            <a:blip r:embed="rId1" cstate="print"/>
+            <a:blip r:embed="rId2" cstate="print"/>
             <a:stretch>
               <a:fillRect/>
             </a:stretch>
@@ -25060,7 +25251,9 @@
         <p:txBody>
           <a:bodyPr wrap="square" lIns="0" tIns="0" rIns="0" bIns="0" rtlCol="0"/>
           <a:lstStyle/>
-          <a:p/>
+          <a:p>
+            <a:endParaRPr/>
+          </a:p>
         </p:txBody>
       </p:sp>
       <p:sp>
@@ -25112,7 +25305,6 @@
               <a:rPr spc="5" dirty="0"/>
               <a:t>properties</a:t>
             </a:r>
-            <a:endParaRPr spc="5" dirty="0"/>
           </a:p>
           <a:p>
             <a:pPr marL="797560" indent="-433705">
@@ -25147,7 +25339,6 @@
               <a:rPr spc="80" dirty="0"/>
               <a:t>type</a:t>
             </a:r>
-            <a:endParaRPr spc="80" dirty="0"/>
           </a:p>
           <a:p>
             <a:pPr marL="797560" indent="-433705">
@@ -25182,7 +25373,6 @@
               <a:rPr spc="-10" dirty="0"/>
               <a:t>value</a:t>
             </a:r>
-            <a:endParaRPr spc="-10" dirty="0"/>
           </a:p>
           <a:p>
             <a:pPr marL="797560" indent="-433705">
@@ -25233,7 +25423,6 @@
               <a:rPr spc="-15" dirty="0"/>
               <a:t>lowercase</a:t>
             </a:r>
-            <a:endParaRPr spc="-15" dirty="0"/>
           </a:p>
           <a:p>
             <a:pPr marL="12700">
@@ -25264,7 +25453,6 @@
               <a:rPr spc="-5" dirty="0"/>
               <a:t>methods</a:t>
             </a:r>
-            <a:endParaRPr spc="-5" dirty="0"/>
           </a:p>
           <a:p>
             <a:pPr marL="797560" indent="-433705">
@@ -25318,7 +25506,6 @@
               <a:rPr spc="-15" dirty="0"/>
               <a:t>lowercase</a:t>
             </a:r>
-            <a:endParaRPr spc="-15" dirty="0"/>
           </a:p>
           <a:p>
             <a:pPr marL="148590">
@@ -25826,9 +26013,11 @@
         <p:spPr/>
         <p:txBody>
           <a:bodyPr/>
+          <a:lstStyle/>
           <a:p>
             <a:fld id="{B6F15528-21DE-4FAA-801E-634DDDAF4B2B}" type="slidenum">
               <a:rPr/>
+              <a:t>32</a:t>
             </a:fld>
             <a:endParaRPr/>
           </a:p>
@@ -25918,7 +26107,9 @@
           <p:txBody>
             <a:bodyPr wrap="square" lIns="0" tIns="0" rIns="0" bIns="0" rtlCol="0"/>
             <a:lstStyle/>
-            <a:p/>
+            <a:p>
+              <a:endParaRPr/>
+            </a:p>
           </p:txBody>
         </p:sp>
         <p:sp>
@@ -25966,7 +26157,9 @@
           <p:txBody>
             <a:bodyPr wrap="square" lIns="0" tIns="0" rIns="0" bIns="0" rtlCol="0"/>
             <a:lstStyle/>
-            <a:p/>
+            <a:p>
+              <a:endParaRPr/>
+            </a:p>
           </p:txBody>
         </p:sp>
         <p:sp>
@@ -26016,7 +26209,9 @@
           <p:txBody>
             <a:bodyPr wrap="square" lIns="0" tIns="0" rIns="0" bIns="0" rtlCol="0"/>
             <a:lstStyle/>
-            <a:p/>
+            <a:p>
+              <a:endParaRPr/>
+            </a:p>
           </p:txBody>
         </p:sp>
         <p:pic>
@@ -26026,7 +26221,7 @@
             <p:nvPr/>
           </p:nvPicPr>
           <p:blipFill>
-            <a:blip r:embed="rId1" cstate="print"/>
+            <a:blip r:embed="rId2" cstate="print"/>
             <a:stretch>
               <a:fillRect/>
             </a:stretch>
@@ -27056,9 +27251,11 @@
         <p:spPr/>
         <p:txBody>
           <a:bodyPr/>
+          <a:lstStyle/>
           <a:p>
             <a:fld id="{B6F15528-21DE-4FAA-801E-634DDDAF4B2B}" type="slidenum">
               <a:rPr/>
+              <a:t>33</a:t>
             </a:fld>
             <a:endParaRPr/>
           </a:p>
@@ -27148,7 +27345,9 @@
           <p:txBody>
             <a:bodyPr wrap="square" lIns="0" tIns="0" rIns="0" bIns="0" rtlCol="0"/>
             <a:lstStyle/>
-            <a:p/>
+            <a:p>
+              <a:endParaRPr/>
+            </a:p>
           </p:txBody>
         </p:sp>
         <p:sp>
@@ -27196,7 +27395,9 @@
           <p:txBody>
             <a:bodyPr wrap="square" lIns="0" tIns="0" rIns="0" bIns="0" rtlCol="0"/>
             <a:lstStyle/>
-            <a:p/>
+            <a:p>
+              <a:endParaRPr/>
+            </a:p>
           </p:txBody>
         </p:sp>
         <p:sp>
@@ -27246,7 +27447,9 @@
           <p:txBody>
             <a:bodyPr wrap="square" lIns="0" tIns="0" rIns="0" bIns="0" rtlCol="0"/>
             <a:lstStyle/>
-            <a:p/>
+            <a:p>
+              <a:endParaRPr/>
+            </a:p>
           </p:txBody>
         </p:sp>
         <p:pic>
@@ -27256,7 +27459,7 @@
             <p:nvPr/>
           </p:nvPicPr>
           <p:blipFill>
-            <a:blip r:embed="rId1" cstate="print"/>
+            <a:blip r:embed="rId2" cstate="print"/>
             <a:stretch>
               <a:fillRect/>
             </a:stretch>
@@ -28073,9 +28276,11 @@
         <p:spPr/>
         <p:txBody>
           <a:bodyPr/>
+          <a:lstStyle/>
           <a:p>
             <a:fld id="{B6F15528-21DE-4FAA-801E-634DDDAF4B2B}" type="slidenum">
               <a:rPr/>
+              <a:t>34</a:t>
             </a:fld>
             <a:endParaRPr/>
           </a:p>
@@ -28151,7 +28356,6 @@
               <a:rPr spc="110" dirty="0"/>
               <a:t>Architecture</a:t>
             </a:r>
-            <a:endParaRPr spc="110" dirty="0"/>
           </a:p>
         </p:txBody>
       </p:sp>
@@ -28236,7 +28440,9 @@
         <p:txBody>
           <a:bodyPr wrap="square" lIns="0" tIns="0" rIns="0" bIns="0" rtlCol="0"/>
           <a:lstStyle/>
-          <a:p/>
+          <a:p>
+            <a:endParaRPr/>
+          </a:p>
         </p:txBody>
       </p:sp>
       <p:sp>
@@ -28341,7 +28547,9 @@
         <p:txBody>
           <a:bodyPr wrap="square" lIns="0" tIns="0" rIns="0" bIns="0" rtlCol="0"/>
           <a:lstStyle/>
-          <a:p/>
+          <a:p>
+            <a:endParaRPr/>
+          </a:p>
         </p:txBody>
       </p:sp>
       <p:sp>
@@ -28428,7 +28636,9 @@
         <p:txBody>
           <a:bodyPr wrap="square" lIns="0" tIns="0" rIns="0" bIns="0" rtlCol="0"/>
           <a:lstStyle/>
-          <a:p/>
+          <a:p>
+            <a:endParaRPr/>
+          </a:p>
         </p:txBody>
       </p:sp>
       <p:sp>
@@ -28518,7 +28728,9 @@
         <p:txBody>
           <a:bodyPr wrap="square" lIns="0" tIns="0" rIns="0" bIns="0" rtlCol="0"/>
           <a:lstStyle/>
-          <a:p/>
+          <a:p>
+            <a:endParaRPr/>
+          </a:p>
         </p:txBody>
       </p:sp>
       <p:sp>
@@ -29242,9 +29454,11 @@
         <p:spPr/>
         <p:txBody>
           <a:bodyPr/>
+          <a:lstStyle/>
           <a:p>
             <a:fld id="{B6F15528-21DE-4FAA-801E-634DDDAF4B2B}" type="slidenum">
               <a:rPr/>
+              <a:t>35</a:t>
             </a:fld>
             <a:endParaRPr/>
           </a:p>
@@ -29402,7 +29616,7 @@
             <p:nvPr/>
           </p:nvPicPr>
           <p:blipFill>
-            <a:blip r:embed="rId1" cstate="print"/>
+            <a:blip r:embed="rId2" cstate="print"/>
             <a:stretch>
               <a:fillRect/>
             </a:stretch>
@@ -29462,7 +29676,9 @@
           <p:txBody>
             <a:bodyPr wrap="square" lIns="0" tIns="0" rIns="0" bIns="0" rtlCol="0"/>
             <a:lstStyle/>
-            <a:p/>
+            <a:p>
+              <a:endParaRPr/>
+            </a:p>
           </p:txBody>
         </p:sp>
       </p:grpSp>
@@ -29523,7 +29739,6 @@
               <a:rPr spc="-1475" dirty="0"/>
               <a:t>…</a:t>
             </a:r>
-            <a:endParaRPr spc="-1475" dirty="0"/>
           </a:p>
         </p:txBody>
       </p:sp>
@@ -29540,9 +29755,11 @@
         <p:spPr/>
         <p:txBody>
           <a:bodyPr/>
+          <a:lstStyle/>
           <a:p>
             <a:fld id="{B6F15528-21DE-4FAA-801E-634DDDAF4B2B}" type="slidenum">
               <a:rPr/>
+              <a:t>36</a:t>
             </a:fld>
             <a:endParaRPr/>
           </a:p>
@@ -29618,7 +29835,6 @@
               <a:rPr spc="110" dirty="0"/>
               <a:t>Architecture</a:t>
             </a:r>
-            <a:endParaRPr spc="110" dirty="0"/>
           </a:p>
         </p:txBody>
       </p:sp>
@@ -29703,7 +29919,9 @@
         <p:txBody>
           <a:bodyPr wrap="square" lIns="0" tIns="0" rIns="0" bIns="0" rtlCol="0"/>
           <a:lstStyle/>
-          <a:p/>
+          <a:p>
+            <a:endParaRPr/>
+          </a:p>
         </p:txBody>
       </p:sp>
       <p:sp>
@@ -29808,7 +30026,9 @@
         <p:txBody>
           <a:bodyPr wrap="square" lIns="0" tIns="0" rIns="0" bIns="0" rtlCol="0"/>
           <a:lstStyle/>
-          <a:p/>
+          <a:p>
+            <a:endParaRPr/>
+          </a:p>
         </p:txBody>
       </p:sp>
       <p:sp>
@@ -29895,7 +30115,9 @@
         <p:txBody>
           <a:bodyPr wrap="square" lIns="0" tIns="0" rIns="0" bIns="0" rtlCol="0"/>
           <a:lstStyle/>
-          <a:p/>
+          <a:p>
+            <a:endParaRPr/>
+          </a:p>
         </p:txBody>
       </p:sp>
       <p:sp>
@@ -29985,7 +30207,9 @@
         <p:txBody>
           <a:bodyPr wrap="square" lIns="0" tIns="0" rIns="0" bIns="0" rtlCol="0"/>
           <a:lstStyle/>
-          <a:p/>
+          <a:p>
+            <a:endParaRPr/>
+          </a:p>
         </p:txBody>
       </p:sp>
       <p:sp>
@@ -30709,9 +30933,11 @@
         <p:spPr/>
         <p:txBody>
           <a:bodyPr/>
+          <a:lstStyle/>
           <a:p>
             <a:fld id="{B6F15528-21DE-4FAA-801E-634DDDAF4B2B}" type="slidenum">
               <a:rPr/>
+              <a:t>4</a:t>
             </a:fld>
             <a:endParaRPr/>
           </a:p>
@@ -30803,7 +31029,6 @@
               <a:rPr spc="65" dirty="0"/>
               <a:t>Component?</a:t>
             </a:r>
-            <a:endParaRPr spc="65" dirty="0"/>
           </a:p>
         </p:txBody>
       </p:sp>
@@ -30977,7 +31202,9 @@
         <p:txBody>
           <a:bodyPr wrap="square" lIns="0" tIns="0" rIns="0" bIns="0" rtlCol="0"/>
           <a:lstStyle/>
-          <a:p/>
+          <a:p>
+            <a:endParaRPr/>
+          </a:p>
         </p:txBody>
       </p:sp>
       <p:sp>
@@ -31152,7 +31379,7 @@
           <p:nvPr/>
         </p:nvPicPr>
         <p:blipFill>
-          <a:blip r:embed="rId1" cstate="print"/>
+          <a:blip r:embed="rId2" cstate="print"/>
           <a:stretch>
             <a:fillRect/>
           </a:stretch>
@@ -31225,7 +31452,7 @@
           <p:nvPr/>
         </p:nvPicPr>
         <p:blipFill>
-          <a:blip r:embed="rId2" cstate="print"/>
+          <a:blip r:embed="rId3" cstate="print"/>
           <a:stretch>
             <a:fillRect/>
           </a:stretch>
@@ -31470,7 +31697,7 @@
               </a:rPr>
               <a:t>layout</a:t>
             </a:r>
-            <a:endParaRPr sz="3000">
+            <a:endParaRPr sz="3000" dirty="0">
               <a:latin typeface="Arial" panose="020B0604020202020204"/>
               <a:cs typeface="Arial" panose="020B0604020202020204"/>
             </a:endParaRPr>
@@ -31537,7 +31764,7 @@
               </a:rPr>
               <a:t>HTML</a:t>
             </a:r>
-            <a:endParaRPr sz="3000">
+            <a:endParaRPr sz="3000" dirty="0">
               <a:latin typeface="Arial" panose="020B0604020202020204"/>
               <a:cs typeface="Arial" panose="020B0604020202020204"/>
             </a:endParaRPr>
@@ -31624,7 +31851,7 @@
               </a:rPr>
               <a:t>directives</a:t>
             </a:r>
-            <a:endParaRPr sz="3000">
+            <a:endParaRPr sz="3000" dirty="0">
               <a:latin typeface="Arial" panose="020B0604020202020204"/>
               <a:cs typeface="Arial" panose="020B0604020202020204"/>
             </a:endParaRPr>
@@ -32116,9 +32343,11 @@
         <p:spPr/>
         <p:txBody>
           <a:bodyPr/>
+          <a:lstStyle/>
           <a:p>
             <a:fld id="{B6F15528-21DE-4FAA-801E-634DDDAF4B2B}" type="slidenum">
               <a:rPr/>
+              <a:t>5</a:t>
             </a:fld>
             <a:endParaRPr/>
           </a:p>
@@ -32186,7 +32415,6 @@
               <a:rPr spc="110" dirty="0"/>
               <a:t>Component</a:t>
             </a:r>
-            <a:endParaRPr spc="110" dirty="0"/>
           </a:p>
         </p:txBody>
       </p:sp>
@@ -32323,7 +32551,7 @@
               </a:rPr>
               <a:t>;</a:t>
             </a:r>
-            <a:endParaRPr sz="3000">
+            <a:endParaRPr sz="3000" dirty="0">
               <a:latin typeface="Courier New" panose="02070309020205020404"/>
               <a:cs typeface="Courier New" panose="02070309020205020404"/>
             </a:endParaRPr>
@@ -32468,7 +32696,7 @@
               </a:rPr>
               <a:t>`</a:t>
             </a:r>
-            <a:endParaRPr sz="3000">
+            <a:endParaRPr sz="3000" dirty="0">
               <a:latin typeface="Courier New" panose="02070309020205020404"/>
               <a:cs typeface="Courier New" panose="02070309020205020404"/>
             </a:endParaRPr>
@@ -32489,7 +32717,7 @@
               </a:rPr>
               <a:t>&lt;div&gt;&lt;h1&gt;{{pageTitle}}&lt;/h1&gt;</a:t>
             </a:r>
-            <a:endParaRPr sz="3000">
+            <a:endParaRPr sz="3000" dirty="0">
               <a:latin typeface="Courier New" panose="02070309020205020404"/>
               <a:cs typeface="Courier New" panose="02070309020205020404"/>
             </a:endParaRPr>
@@ -32550,7 +32778,7 @@
               </a:rPr>
               <a:t>Component&lt;/div&gt;</a:t>
             </a:r>
-            <a:endParaRPr sz="3000">
+            <a:endParaRPr sz="3000" dirty="0">
               <a:latin typeface="Courier New" panose="02070309020205020404"/>
               <a:cs typeface="Courier New" panose="02070309020205020404"/>
             </a:endParaRPr>
@@ -32571,7 +32799,7 @@
               </a:rPr>
               <a:t>&lt;/div&gt;</a:t>
             </a:r>
-            <a:endParaRPr sz="3000">
+            <a:endParaRPr sz="3000" dirty="0">
               <a:latin typeface="Courier New" panose="02070309020205020404"/>
               <a:cs typeface="Courier New" panose="02070309020205020404"/>
             </a:endParaRPr>
@@ -32592,7 +32820,7 @@
               </a:rPr>
               <a:t>`</a:t>
             </a:r>
-            <a:endParaRPr sz="3000">
+            <a:endParaRPr sz="3000" dirty="0">
               <a:latin typeface="Courier New" panose="02070309020205020404"/>
               <a:cs typeface="Courier New" panose="02070309020205020404"/>
             </a:endParaRPr>
@@ -32985,7 +33213,9 @@
           <p:txBody>
             <a:bodyPr wrap="square" lIns="0" tIns="0" rIns="0" bIns="0" rtlCol="0"/>
             <a:lstStyle/>
-            <a:p/>
+            <a:p>
+              <a:endParaRPr/>
+            </a:p>
           </p:txBody>
         </p:sp>
         <p:sp>
@@ -33035,7 +33265,9 @@
           <p:txBody>
             <a:bodyPr wrap="square" lIns="0" tIns="0" rIns="0" bIns="0" rtlCol="0"/>
             <a:lstStyle/>
-            <a:p/>
+            <a:p>
+              <a:endParaRPr/>
+            </a:p>
           </p:txBody>
         </p:sp>
         <p:sp>
@@ -33086,7 +33318,9 @@
           <p:txBody>
             <a:bodyPr wrap="square" lIns="0" tIns="0" rIns="0" bIns="0" rtlCol="0"/>
             <a:lstStyle/>
-            <a:p/>
+            <a:p>
+              <a:endParaRPr/>
+            </a:p>
           </p:txBody>
         </p:sp>
         <p:sp>
@@ -33136,7 +33370,9 @@
           <p:txBody>
             <a:bodyPr wrap="square" lIns="0" tIns="0" rIns="0" bIns="0" rtlCol="0"/>
             <a:lstStyle/>
-            <a:p/>
+            <a:p>
+              <a:endParaRPr/>
+            </a:p>
           </p:txBody>
         </p:sp>
         <p:sp>
@@ -33186,7 +33422,9 @@
           <p:txBody>
             <a:bodyPr wrap="square" lIns="0" tIns="0" rIns="0" bIns="0" rtlCol="0"/>
             <a:lstStyle/>
-            <a:p/>
+            <a:p>
+              <a:endParaRPr/>
+            </a:p>
           </p:txBody>
         </p:sp>
       </p:grpSp>
@@ -33397,7 +33635,9 @@
         <p:txBody>
           <a:bodyPr wrap="square" lIns="0" tIns="0" rIns="0" bIns="0" rtlCol="0"/>
           <a:lstStyle/>
-          <a:p/>
+          <a:p>
+            <a:endParaRPr/>
+          </a:p>
         </p:txBody>
       </p:sp>
       <p:sp>
@@ -33527,9 +33767,11 @@
         <p:spPr/>
         <p:txBody>
           <a:bodyPr/>
+          <a:lstStyle/>
           <a:p>
             <a:fld id="{B6F15528-21DE-4FAA-801E-634DDDAF4B2B}" type="slidenum">
               <a:rPr/>
+              <a:t>6</a:t>
             </a:fld>
             <a:endParaRPr/>
           </a:p>
@@ -33621,7 +33863,6 @@
               <a:rPr spc="-145" dirty="0"/>
               <a:t>Class</a:t>
             </a:r>
-            <a:endParaRPr spc="-145" dirty="0"/>
           </a:p>
         </p:txBody>
       </p:sp>
@@ -33915,7 +34156,9 @@
           <p:txBody>
             <a:bodyPr wrap="square" lIns="0" tIns="0" rIns="0" bIns="0" rtlCol="0"/>
             <a:lstStyle/>
-            <a:p/>
+            <a:p>
+              <a:endParaRPr/>
+            </a:p>
           </p:txBody>
         </p:sp>
         <p:sp>
@@ -33966,7 +34209,9 @@
           <p:txBody>
             <a:bodyPr wrap="square" lIns="0" tIns="0" rIns="0" bIns="0" rtlCol="0"/>
             <a:lstStyle/>
-            <a:p/>
+            <a:p>
+              <a:endParaRPr/>
+            </a:p>
           </p:txBody>
         </p:sp>
       </p:grpSp>
@@ -34192,7 +34437,9 @@
           <p:txBody>
             <a:bodyPr wrap="square" lIns="0" tIns="0" rIns="0" bIns="0" rtlCol="0"/>
             <a:lstStyle/>
-            <a:p/>
+            <a:p>
+              <a:endParaRPr/>
+            </a:p>
           </p:txBody>
         </p:sp>
         <p:sp>
@@ -34243,7 +34490,9 @@
           <p:txBody>
             <a:bodyPr wrap="square" lIns="0" tIns="0" rIns="0" bIns="0" rtlCol="0"/>
             <a:lstStyle/>
-            <a:p/>
+            <a:p>
+              <a:endParaRPr/>
+            </a:p>
           </p:txBody>
         </p:sp>
       </p:grpSp>
@@ -34309,7 +34558,9 @@
           <p:txBody>
             <a:bodyPr wrap="square" lIns="0" tIns="0" rIns="0" bIns="0" rtlCol="0"/>
             <a:lstStyle/>
-            <a:p/>
+            <a:p>
+              <a:endParaRPr/>
+            </a:p>
           </p:txBody>
         </p:sp>
         <p:sp>
@@ -34360,7 +34611,9 @@
           <p:txBody>
             <a:bodyPr wrap="square" lIns="0" tIns="0" rIns="0" bIns="0" rtlCol="0"/>
             <a:lstStyle/>
-            <a:p/>
+            <a:p>
+              <a:endParaRPr/>
+            </a:p>
           </p:txBody>
         </p:sp>
       </p:grpSp>
@@ -34645,9 +34898,11 @@
         <p:spPr/>
         <p:txBody>
           <a:bodyPr/>
+          <a:lstStyle/>
           <a:p>
             <a:fld id="{B6F15528-21DE-4FAA-801E-634DDDAF4B2B}" type="slidenum">
               <a:rPr/>
+              <a:t>7</a:t>
             </a:fld>
             <a:endParaRPr/>
           </a:p>
@@ -34739,7 +34994,6 @@
               <a:rPr spc="-145" dirty="0"/>
               <a:t>Class</a:t>
             </a:r>
-            <a:endParaRPr spc="-145" dirty="0"/>
           </a:p>
         </p:txBody>
       </p:sp>
@@ -35033,7 +35287,9 @@
           <p:txBody>
             <a:bodyPr wrap="square" lIns="0" tIns="0" rIns="0" bIns="0" rtlCol="0"/>
             <a:lstStyle/>
-            <a:p/>
+            <a:p>
+              <a:endParaRPr/>
+            </a:p>
           </p:txBody>
         </p:sp>
         <p:sp>
@@ -35102,7 +35358,9 @@
           <p:txBody>
             <a:bodyPr wrap="square" lIns="0" tIns="0" rIns="0" bIns="0" rtlCol="0"/>
             <a:lstStyle/>
-            <a:p/>
+            <a:p>
+              <a:endParaRPr/>
+            </a:p>
           </p:txBody>
         </p:sp>
       </p:grpSp>
@@ -35267,7 +35525,9 @@
         <p:txBody>
           <a:bodyPr wrap="square" lIns="0" tIns="0" rIns="0" bIns="0" rtlCol="0"/>
           <a:lstStyle/>
-          <a:p/>
+          <a:p>
+            <a:endParaRPr/>
+          </a:p>
         </p:txBody>
       </p:sp>
       <p:sp>
@@ -35318,7 +35578,9 @@
         <p:txBody>
           <a:bodyPr wrap="square" lIns="0" tIns="0" rIns="0" bIns="0" rtlCol="0"/>
           <a:lstStyle/>
-          <a:p/>
+          <a:p>
+            <a:endParaRPr/>
+          </a:p>
         </p:txBody>
       </p:sp>
       <p:sp>
@@ -35451,7 +35713,9 @@
         <p:txBody>
           <a:bodyPr wrap="square" lIns="0" tIns="0" rIns="0" bIns="0" rtlCol="0"/>
           <a:lstStyle/>
-          <a:p/>
+          <a:p>
+            <a:endParaRPr/>
+          </a:p>
         </p:txBody>
       </p:sp>
       <p:sp>
@@ -35587,7 +35851,9 @@
         <p:txBody>
           <a:bodyPr wrap="square" lIns="0" tIns="0" rIns="0" bIns="0" rtlCol="0"/>
           <a:lstStyle/>
-          <a:p/>
+          <a:p>
+            <a:endParaRPr/>
+          </a:p>
         </p:txBody>
       </p:sp>
       <p:sp>
@@ -35627,7 +35893,7 @@
                 <a:spcPts val="40"/>
               </a:spcBef>
             </a:pPr>
-            <a:endParaRPr sz="4300">
+            <a:endParaRPr sz="4300" dirty="0">
               <a:latin typeface="Times New Roman" panose="02020603050405020304"/>
               <a:cs typeface="Times New Roman" panose="02020603050405020304"/>
             </a:endParaRPr>
@@ -35648,7 +35914,7 @@
               </a:rPr>
               <a:t>Methods</a:t>
             </a:r>
-            <a:endParaRPr sz="3600">
+            <a:endParaRPr sz="3600" dirty="0">
               <a:latin typeface="Arial" panose="020B0604020202020204"/>
               <a:cs typeface="Arial" panose="020B0604020202020204"/>
             </a:endParaRPr>
@@ -35717,9 +35983,11 @@
         <p:spPr/>
         <p:txBody>
           <a:bodyPr/>
+          <a:lstStyle/>
           <a:p>
             <a:fld id="{B6F15528-21DE-4FAA-801E-634DDDAF4B2B}" type="slidenum">
               <a:rPr/>
+              <a:t>8</a:t>
             </a:fld>
             <a:endParaRPr/>
           </a:p>
@@ -35803,7 +36071,6 @@
               <a:rPr spc="75" dirty="0"/>
               <a:t>Metadata</a:t>
             </a:r>
-            <a:endParaRPr spc="75" dirty="0"/>
           </a:p>
         </p:txBody>
       </p:sp>
@@ -36350,9 +36617,11 @@
         <p:spPr/>
         <p:txBody>
           <a:bodyPr/>
+          <a:lstStyle/>
           <a:p>
             <a:fld id="{B6F15528-21DE-4FAA-801E-634DDDAF4B2B}" type="slidenum">
               <a:rPr/>
+              <a:t>9</a:t>
             </a:fld>
             <a:endParaRPr/>
           </a:p>
@@ -36644,6 +36913,8 @@
       </a:bgFillStyleLst>
     </a:fmtScheme>
   </a:themeElements>
+  <a:objectDefaults/>
+  <a:extraClrSchemeLst/>
   <a:extLst>
     <a:ext uri="{05A4C25C-085E-4340-85A3-A5531E510DB2}">
       <thm15:themeFamily xmlns:thm15="http://schemas.microsoft.com/office/thememl/2012/main" name="Office Theme" id="{62F939B6-93AF-4DB8-9C6B-D6C7DFDC589F}" vid="{4A3C46E8-61CC-4603-A589-7422A47A8E4A}"/>
@@ -36903,6 +37174,8 @@
       </a:bgFillStyleLst>
     </a:fmtScheme>
   </a:themeElements>
+  <a:objectDefaults/>
+  <a:extraClrSchemeLst/>
   <a:extLst>
     <a:ext uri="{05A4C25C-085E-4340-85A3-A5531E510DB2}">
       <thm15:themeFamily xmlns:thm15="http://schemas.microsoft.com/office/thememl/2012/main" name="Office Theme" id="{62F939B6-93AF-4DB8-9C6B-D6C7DFDC589F}" vid="{4A3C46E8-61CC-4603-A589-7422A47A8E4A}"/>
